--- a/毕设答辩.pptx
+++ b/毕设答辩.pptx
@@ -236,8 +236,8 @@
         </c:dLbls>
         <c:marker val="1"/>
         <c:smooth val="0"/>
-        <c:axId val="163596960"/>
-        <c:axId val="163654704"/>
+        <c:axId val="11234440"/>
+        <c:axId val="11234824"/>
       </c:lineChart>
       <c:lineChart>
         <c:grouping val="standard"/>
@@ -310,11 +310,11 @@
         </c:dLbls>
         <c:marker val="1"/>
         <c:smooth val="0"/>
-        <c:axId val="163627800"/>
-        <c:axId val="163655088"/>
+        <c:axId val="171039400"/>
+        <c:axId val="171065112"/>
       </c:lineChart>
       <c:catAx>
-        <c:axId val="163596960"/>
+        <c:axId val="11234440"/>
         <c:scaling>
           <c:orientation val="minMax"/>
         </c:scaling>
@@ -324,7 +324,7 @@
         <c:majorTickMark val="none"/>
         <c:minorTickMark val="none"/>
         <c:tickLblPos val="nextTo"/>
-        <c:crossAx val="163654704"/>
+        <c:crossAx val="11234824"/>
         <c:crosses val="autoZero"/>
         <c:auto val="1"/>
         <c:lblAlgn val="ctr"/>
@@ -332,7 +332,7 @@
         <c:noMultiLvlLbl val="0"/>
       </c:catAx>
       <c:valAx>
-        <c:axId val="163654704"/>
+        <c:axId val="11234824"/>
         <c:scaling>
           <c:orientation val="minMax"/>
         </c:scaling>
@@ -363,12 +363,12 @@
         <c:majorTickMark val="none"/>
         <c:minorTickMark val="none"/>
         <c:tickLblPos val="nextTo"/>
-        <c:crossAx val="163596960"/>
+        <c:crossAx val="11234440"/>
         <c:crosses val="autoZero"/>
         <c:crossBetween val="between"/>
       </c:valAx>
       <c:valAx>
-        <c:axId val="163655088"/>
+        <c:axId val="171065112"/>
         <c:scaling>
           <c:orientation val="minMax"/>
           <c:max val="200"/>
@@ -379,12 +379,12 @@
         <c:majorTickMark val="out"/>
         <c:minorTickMark val="none"/>
         <c:tickLblPos val="nextTo"/>
-        <c:crossAx val="163627800"/>
+        <c:crossAx val="171039400"/>
         <c:crosses val="max"/>
         <c:crossBetween val="between"/>
       </c:valAx>
       <c:catAx>
-        <c:axId val="163627800"/>
+        <c:axId val="171039400"/>
         <c:scaling>
           <c:orientation val="minMax"/>
         </c:scaling>
@@ -394,7 +394,7 @@
         <c:majorTickMark val="out"/>
         <c:minorTickMark val="none"/>
         <c:tickLblPos val="nextTo"/>
-        <c:crossAx val="163655088"/>
+        <c:crossAx val="171065112"/>
         <c:crosses val="autoZero"/>
         <c:auto val="1"/>
         <c:lblAlgn val="ctr"/>
@@ -525,8 +525,8 @@
         </c:dLbls>
         <c:marker val="1"/>
         <c:smooth val="0"/>
-        <c:axId val="163035232"/>
-        <c:axId val="163040736"/>
+        <c:axId val="171108592"/>
+        <c:axId val="171108976"/>
       </c:lineChart>
       <c:lineChart>
         <c:grouping val="standard"/>
@@ -575,11 +575,11 @@
         </c:dLbls>
         <c:marker val="1"/>
         <c:smooth val="0"/>
-        <c:axId val="163043552"/>
-        <c:axId val="163041120"/>
+        <c:axId val="171105824"/>
+        <c:axId val="171114744"/>
       </c:lineChart>
       <c:catAx>
-        <c:axId val="163035232"/>
+        <c:axId val="171108592"/>
         <c:scaling>
           <c:orientation val="minMax"/>
         </c:scaling>
@@ -589,7 +589,7 @@
         <c:majorTickMark val="none"/>
         <c:minorTickMark val="none"/>
         <c:tickLblPos val="nextTo"/>
-        <c:crossAx val="163040736"/>
+        <c:crossAx val="171108976"/>
         <c:crosses val="autoZero"/>
         <c:auto val="1"/>
         <c:lblAlgn val="ctr"/>
@@ -597,7 +597,7 @@
         <c:noMultiLvlLbl val="0"/>
       </c:catAx>
       <c:valAx>
-        <c:axId val="163040736"/>
+        <c:axId val="171108976"/>
         <c:scaling>
           <c:orientation val="minMax"/>
         </c:scaling>
@@ -628,12 +628,12 @@
         <c:majorTickMark val="none"/>
         <c:minorTickMark val="none"/>
         <c:tickLblPos val="nextTo"/>
-        <c:crossAx val="163035232"/>
+        <c:crossAx val="171108592"/>
         <c:crosses val="autoZero"/>
         <c:crossBetween val="between"/>
       </c:valAx>
       <c:valAx>
-        <c:axId val="163041120"/>
+        <c:axId val="171114744"/>
         <c:scaling>
           <c:orientation val="minMax"/>
           <c:max val="100"/>
@@ -644,12 +644,12 @@
         <c:majorTickMark val="out"/>
         <c:minorTickMark val="none"/>
         <c:tickLblPos val="nextTo"/>
-        <c:crossAx val="163043552"/>
+        <c:crossAx val="171105824"/>
         <c:crosses val="max"/>
         <c:crossBetween val="between"/>
       </c:valAx>
       <c:catAx>
-        <c:axId val="163043552"/>
+        <c:axId val="171105824"/>
         <c:scaling>
           <c:orientation val="minMax"/>
         </c:scaling>
@@ -659,7 +659,7 @@
         <c:majorTickMark val="out"/>
         <c:minorTickMark val="none"/>
         <c:tickLblPos val="nextTo"/>
-        <c:crossAx val="163041120"/>
+        <c:crossAx val="171114744"/>
         <c:crosses val="autoZero"/>
         <c:auto val="1"/>
         <c:lblAlgn val="ctr"/>
@@ -796,8 +796,8 @@
         </c:dLbls>
         <c:marker val="1"/>
         <c:smooth val="0"/>
-        <c:axId val="162965696"/>
-        <c:axId val="162966088"/>
+        <c:axId val="169999520"/>
+        <c:axId val="169999128"/>
       </c:lineChart>
       <c:lineChart>
         <c:grouping val="standard"/>
@@ -893,11 +893,11 @@
         </c:dLbls>
         <c:marker val="1"/>
         <c:smooth val="0"/>
-        <c:axId val="162966872"/>
-        <c:axId val="162966480"/>
+        <c:axId val="169998344"/>
+        <c:axId val="169998736"/>
       </c:lineChart>
       <c:catAx>
-        <c:axId val="162965696"/>
+        <c:axId val="169999520"/>
         <c:scaling>
           <c:orientation val="minMax"/>
         </c:scaling>
@@ -907,7 +907,7 @@
         <c:majorTickMark val="none"/>
         <c:minorTickMark val="none"/>
         <c:tickLblPos val="nextTo"/>
-        <c:crossAx val="162966088"/>
+        <c:crossAx val="169999128"/>
         <c:crosses val="autoZero"/>
         <c:auto val="1"/>
         <c:lblAlgn val="ctr"/>
@@ -915,7 +915,7 @@
         <c:noMultiLvlLbl val="0"/>
       </c:catAx>
       <c:valAx>
-        <c:axId val="162966088"/>
+        <c:axId val="169999128"/>
         <c:scaling>
           <c:orientation val="minMax"/>
         </c:scaling>
@@ -946,12 +946,12 @@
         <c:majorTickMark val="none"/>
         <c:minorTickMark val="none"/>
         <c:tickLblPos val="nextTo"/>
-        <c:crossAx val="162965696"/>
+        <c:crossAx val="169999520"/>
         <c:crosses val="autoZero"/>
         <c:crossBetween val="between"/>
       </c:valAx>
       <c:valAx>
-        <c:axId val="162966480"/>
+        <c:axId val="169998736"/>
         <c:scaling>
           <c:orientation val="minMax"/>
           <c:max val="200"/>
@@ -962,12 +962,12 @@
         <c:majorTickMark val="out"/>
         <c:minorTickMark val="none"/>
         <c:tickLblPos val="nextTo"/>
-        <c:crossAx val="162966872"/>
+        <c:crossAx val="169998344"/>
         <c:crosses val="max"/>
         <c:crossBetween val="between"/>
       </c:valAx>
       <c:catAx>
-        <c:axId val="162966872"/>
+        <c:axId val="169998344"/>
         <c:scaling>
           <c:orientation val="minMax"/>
         </c:scaling>
@@ -977,7 +977,7 @@
         <c:majorTickMark val="out"/>
         <c:minorTickMark val="none"/>
         <c:tickLblPos val="nextTo"/>
-        <c:crossAx val="162966480"/>
+        <c:crossAx val="169998736"/>
         <c:crosses val="autoZero"/>
         <c:auto val="1"/>
         <c:lblAlgn val="ctr"/>
@@ -2065,6 +2065,13 @@
         </dgm:presLayoutVars>
       </dgm:prSet>
       <dgm:spPr/>
+      <dgm:t>
+        <a:bodyPr/>
+        <a:lstStyle/>
+        <a:p>
+          <a:endParaRPr lang="zh-CN" altLang="en-US"/>
+        </a:p>
+      </dgm:t>
     </dgm:pt>
     <dgm:pt modelId="{7DC4F5CE-C8F6-4915-8AFF-A4B289934058}" type="pres">
       <dgm:prSet presAssocID="{1D741D0A-A25B-4B93-A205-D9789C242EE2}" presName="Name1" presStyleCnt="0"/>
@@ -2081,6 +2088,13 @@
     <dgm:pt modelId="{51A4AD17-5D47-450A-9D80-E25E8256C997}" type="pres">
       <dgm:prSet presAssocID="{1D741D0A-A25B-4B93-A205-D9789C242EE2}" presName="conn" presStyleLbl="parChTrans1D2" presStyleIdx="0" presStyleCnt="1"/>
       <dgm:spPr/>
+      <dgm:t>
+        <a:bodyPr/>
+        <a:lstStyle/>
+        <a:p>
+          <a:endParaRPr lang="zh-CN" altLang="en-US"/>
+        </a:p>
+      </dgm:t>
     </dgm:pt>
     <dgm:pt modelId="{FEADE9F4-2898-4C50-A5C0-299E3B61C9AA}" type="pres">
       <dgm:prSet presAssocID="{1D741D0A-A25B-4B93-A205-D9789C242EE2}" presName="extraNode" presStyleLbl="node1" presStyleIdx="0" presStyleCnt="4"/>
@@ -2097,6 +2111,13 @@
         </dgm:presLayoutVars>
       </dgm:prSet>
       <dgm:spPr/>
+      <dgm:t>
+        <a:bodyPr/>
+        <a:lstStyle/>
+        <a:p>
+          <a:endParaRPr lang="zh-CN" altLang="en-US"/>
+        </a:p>
+      </dgm:t>
     </dgm:pt>
     <dgm:pt modelId="{FF652ED4-0639-41E1-A767-FAEE7D2CBD09}" type="pres">
       <dgm:prSet presAssocID="{BB6703DF-13F1-43E7-BD1D-6D69E81035F5}" presName="accent_1" presStyleCnt="0"/>
@@ -2113,6 +2134,13 @@
         </dgm:presLayoutVars>
       </dgm:prSet>
       <dgm:spPr/>
+      <dgm:t>
+        <a:bodyPr/>
+        <a:lstStyle/>
+        <a:p>
+          <a:endParaRPr lang="zh-CN" altLang="en-US"/>
+        </a:p>
+      </dgm:t>
     </dgm:pt>
     <dgm:pt modelId="{842E9827-7292-4DC1-A912-18366C8078D3}" type="pres">
       <dgm:prSet presAssocID="{BAA996BE-3B83-4B8A-80F8-E5B19FE7E02F}" presName="accent_2" presStyleCnt="0"/>
@@ -2129,6 +2157,13 @@
         </dgm:presLayoutVars>
       </dgm:prSet>
       <dgm:spPr/>
+      <dgm:t>
+        <a:bodyPr/>
+        <a:lstStyle/>
+        <a:p>
+          <a:endParaRPr lang="zh-CN" altLang="en-US"/>
+        </a:p>
+      </dgm:t>
     </dgm:pt>
     <dgm:pt modelId="{1D95C8B3-7E81-4987-AA46-57709D897C10}" type="pres">
       <dgm:prSet presAssocID="{12C16C13-EE59-4409-978C-0CAE8F1E343A}" presName="accent_3" presStyleCnt="0"/>
@@ -2145,6 +2180,13 @@
         </dgm:presLayoutVars>
       </dgm:prSet>
       <dgm:spPr/>
+      <dgm:t>
+        <a:bodyPr/>
+        <a:lstStyle/>
+        <a:p>
+          <a:endParaRPr lang="zh-CN" altLang="en-US"/>
+        </a:p>
+      </dgm:t>
     </dgm:pt>
     <dgm:pt modelId="{584526BD-E325-4CC2-A967-4C08645E3047}" type="pres">
       <dgm:prSet presAssocID="{DE52040E-F60A-46E0-9812-541A027C4E25}" presName="accent_4" presStyleCnt="0"/>
@@ -2157,9 +2199,9 @@
   </dgm:ptLst>
   <dgm:cxnLst>
     <dgm:cxn modelId="{DCEA7DD6-38E6-4FDE-9C76-9BEEC3496A89}" type="presOf" srcId="{BAA996BE-3B83-4B8A-80F8-E5B19FE7E02F}" destId="{F2CA0906-D8F9-4C79-BD85-D04E802BC8F3}" srcOrd="0" destOrd="0" presId="urn:microsoft.com/office/officeart/2008/layout/VerticalCurvedList"/>
+    <dgm:cxn modelId="{B320B19A-3810-4281-87FB-629AE6CC7C48}" srcId="{1D741D0A-A25B-4B93-A205-D9789C242EE2}" destId="{DE52040E-F60A-46E0-9812-541A027C4E25}" srcOrd="3" destOrd="0" parTransId="{E85BFACB-A15C-4160-A837-265D24250C2A}" sibTransId="{6F0049D0-2EC2-4EC5-84EF-36CAE7E3C2D5}"/>
     <dgm:cxn modelId="{B3C2D7B8-CB57-4DB5-A2C5-D34EA091A7B4}" srcId="{1D741D0A-A25B-4B93-A205-D9789C242EE2}" destId="{BAA996BE-3B83-4B8A-80F8-E5B19FE7E02F}" srcOrd="1" destOrd="0" parTransId="{C27F6DBE-CC0A-496F-A4F8-08C6D365C56C}" sibTransId="{7098E2AB-DA07-4DEA-85C5-84B38A5C613B}"/>
     <dgm:cxn modelId="{9765FBE8-F85A-4CEC-B930-DD8783DB77E1}" type="presOf" srcId="{DE52040E-F60A-46E0-9812-541A027C4E25}" destId="{29F0A59C-D9FD-4C35-BFA0-4C28AA1B9196}" srcOrd="0" destOrd="0" presId="urn:microsoft.com/office/officeart/2008/layout/VerticalCurvedList"/>
-    <dgm:cxn modelId="{B320B19A-3810-4281-87FB-629AE6CC7C48}" srcId="{1D741D0A-A25B-4B93-A205-D9789C242EE2}" destId="{DE52040E-F60A-46E0-9812-541A027C4E25}" srcOrd="3" destOrd="0" parTransId="{E85BFACB-A15C-4160-A837-265D24250C2A}" sibTransId="{6F0049D0-2EC2-4EC5-84EF-36CAE7E3C2D5}"/>
     <dgm:cxn modelId="{25000812-FBD2-48E9-8B97-CF505E464271}" type="presOf" srcId="{12C16C13-EE59-4409-978C-0CAE8F1E343A}" destId="{3570F7A4-353C-4249-AE4D-F671CAFD3A90}" srcOrd="0" destOrd="0" presId="urn:microsoft.com/office/officeart/2008/layout/VerticalCurvedList"/>
     <dgm:cxn modelId="{C2A84FE9-6F57-4219-B1F6-89E913EAC350}" type="presOf" srcId="{DE9C71B2-CB8C-448A-82AB-EBE76482E99A}" destId="{51A4AD17-5D47-450A-9D80-E25E8256C997}" srcOrd="0" destOrd="0" presId="urn:microsoft.com/office/officeart/2008/layout/VerticalCurvedList"/>
     <dgm:cxn modelId="{0252E11D-0F86-4220-BB2C-4635BD2958B6}" srcId="{1D741D0A-A25B-4B93-A205-D9789C242EE2}" destId="{BB6703DF-13F1-43E7-BD1D-6D69E81035F5}" srcOrd="0" destOrd="0" parTransId="{B20A4E3D-0653-4D48-9766-30C43E602275}" sibTransId="{DE9C71B2-CB8C-448A-82AB-EBE76482E99A}"/>
@@ -2189,7 +2231,7 @@
   <dgm:whole/>
   <dgm:extLst>
     <a:ext uri="http://schemas.microsoft.com/office/drawing/2008/diagram">
-      <dsp:dataModelExt xmlns:dsp="http://schemas.microsoft.com/office/drawing/2008/diagram" relId="rId6" minVer="http://schemas.openxmlformats.org/drawingml/2006/diagram"/>
+      <dsp:dataModelExt xmlns:dsp="http://schemas.microsoft.com/office/drawing/2008/diagram" relId="rId7" minVer="http://schemas.openxmlformats.org/drawingml/2006/diagram"/>
     </a:ext>
   </dgm:extLst>
 </dgm:dataModel>
@@ -5374,7 +5416,7 @@
           <a:p>
             <a:fld id="{8C6C5E49-5630-4793-9FFE-6EA9B88C4E5F}" type="datetimeFigureOut">
               <a:rPr lang="zh-CN" altLang="en-US" smtClean="0"/>
-              <a:t>2016/6/5</a:t>
+              <a:t>2016/6/6</a:t>
             </a:fld>
             <a:endParaRPr lang="zh-CN" altLang="en-US"/>
           </a:p>
@@ -5686,6 +5728,29 @@
           <a:bodyPr/>
           <a:lstStyle/>
           <a:p>
+            <a:r>
+              <a:rPr lang="zh-CN" altLang="en-US" dirty="0" smtClean="0"/>
+              <a:t>各位老师好，我的毕设</a:t>
+            </a:r>
+            <a:r>
+              <a:rPr lang="zh-CN" altLang="en-US" baseline="0" dirty="0" smtClean="0"/>
+              <a:t>是</a:t>
+            </a:r>
+            <a:endParaRPr lang="en-US" altLang="zh-CN" baseline="0" dirty="0" smtClean="0"/>
+          </a:p>
+          <a:p>
+            <a:r>
+              <a:rPr lang="zh-CN" altLang="en-US" baseline="0" dirty="0" smtClean="0"/>
+              <a:t>做一个基于大规模知识图谱的规则挖掘系统，是在</a:t>
+            </a:r>
+            <a:r>
+              <a:rPr lang="en-US" altLang="zh-CN" baseline="0" dirty="0" smtClean="0"/>
+              <a:t>AMIE</a:t>
+            </a:r>
+            <a:r>
+              <a:rPr lang="zh-CN" altLang="en-US" baseline="0" dirty="0" smtClean="0"/>
+              <a:t>的基础上实现的。</a:t>
+            </a:r>
             <a:endParaRPr lang="zh-CN" altLang="en-US" dirty="0"/>
           </a:p>
         </p:txBody>
@@ -5717,6 +5782,3240 @@
     <p:extLst>
       <p:ext uri="{BB962C8B-B14F-4D97-AF65-F5344CB8AC3E}">
         <p14:creationId xmlns:p14="http://schemas.microsoft.com/office/powerpoint/2010/main" val="3636690236"/>
+      </p:ext>
+    </p:extLst>
+  </p:cSld>
+  <p:clrMapOvr>
+    <a:masterClrMapping/>
+  </p:clrMapOvr>
+</p:notes>
+</file>
+
+<file path=ppt/notesSlides/notesSlide10.xml><?xml version="1.0" encoding="utf-8"?>
+<p:notes xmlns:a="http://schemas.openxmlformats.org/drawingml/2006/main" xmlns:r="http://schemas.openxmlformats.org/officeDocument/2006/relationships" xmlns:p="http://schemas.openxmlformats.org/presentationml/2006/main">
+  <p:cSld>
+    <p:spTree>
+      <p:nvGrpSpPr>
+        <p:cNvPr id="1" name=""/>
+        <p:cNvGrpSpPr/>
+        <p:nvPr/>
+      </p:nvGrpSpPr>
+      <p:grpSpPr>
+        <a:xfrm>
+          <a:off x="0" y="0"/>
+          <a:ext cx="0" cy="0"/>
+          <a:chOff x="0" y="0"/>
+          <a:chExt cx="0" cy="0"/>
+        </a:xfrm>
+      </p:grpSpPr>
+      <p:sp>
+        <p:nvSpPr>
+          <p:cNvPr id="2" name="幻灯片图像占位符 1"/>
+          <p:cNvSpPr>
+            <a:spLocks noGrp="1" noRot="1" noChangeAspect="1"/>
+          </p:cNvSpPr>
+          <p:nvPr>
+            <p:ph type="sldImg"/>
+          </p:nvPr>
+        </p:nvSpPr>
+        <p:spPr/>
+      </p:sp>
+      <p:sp>
+        <p:nvSpPr>
+          <p:cNvPr id="3" name="备注占位符 2"/>
+          <p:cNvSpPr>
+            <a:spLocks noGrp="1"/>
+          </p:cNvSpPr>
+          <p:nvPr>
+            <p:ph type="body" idx="1"/>
+          </p:nvPr>
+        </p:nvSpPr>
+        <p:spPr/>
+        <p:txBody>
+          <a:bodyPr/>
+          <a:lstStyle/>
+          <a:p>
+            <a:r>
+              <a:rPr lang="zh-CN" altLang="en-US" dirty="0" smtClean="0"/>
+              <a:t>这里用到</a:t>
+            </a:r>
+            <a:r>
+              <a:rPr lang="en-US" altLang="zh-CN" dirty="0" smtClean="0"/>
+              <a:t>4</a:t>
+            </a:r>
+            <a:r>
+              <a:rPr lang="zh-CN" altLang="en-US" dirty="0" smtClean="0"/>
+              <a:t>种</a:t>
+            </a:r>
+            <a:r>
+              <a:rPr lang="en-US" altLang="zh-CN" dirty="0" smtClean="0"/>
+              <a:t>atom</a:t>
+            </a:r>
+          </a:p>
+          <a:p>
+            <a:r>
+              <a:rPr lang="en-US" altLang="zh-CN" dirty="0" smtClean="0"/>
+              <a:t>Dangling</a:t>
+            </a:r>
+            <a:r>
+              <a:rPr lang="en-US" altLang="zh-CN" baseline="0" dirty="0" smtClean="0"/>
+              <a:t> Atom</a:t>
+            </a:r>
+          </a:p>
+          <a:p>
+            <a:r>
+              <a:rPr lang="en-US" altLang="zh-CN" baseline="0" dirty="0" smtClean="0"/>
+              <a:t>Instantiated Atom</a:t>
+            </a:r>
+          </a:p>
+          <a:p>
+            <a:r>
+              <a:rPr lang="en-US" altLang="zh-CN" baseline="0" dirty="0" smtClean="0"/>
+              <a:t>Closing Atom</a:t>
+            </a:r>
+          </a:p>
+          <a:p>
+            <a:r>
+              <a:rPr lang="zh-CN" altLang="en-US" baseline="0" dirty="0" smtClean="0"/>
+              <a:t>还有</a:t>
+            </a:r>
+            <a:r>
+              <a:rPr lang="en-US" altLang="zh-CN" baseline="0" dirty="0" smtClean="0"/>
+              <a:t>Opened Atom</a:t>
+            </a:r>
+            <a:endParaRPr lang="en-US" altLang="zh-CN" dirty="0" smtClean="0"/>
+          </a:p>
+          <a:p>
+            <a:r>
+              <a:rPr lang="en-US" altLang="zh-CN" dirty="0" smtClean="0"/>
+              <a:t>Dangling</a:t>
+            </a:r>
+            <a:r>
+              <a:rPr lang="en-US" altLang="zh-CN" baseline="0" dirty="0" smtClean="0"/>
+              <a:t> Atom </a:t>
+            </a:r>
+            <a:r>
+              <a:rPr lang="zh-CN" altLang="en-US" baseline="0" dirty="0" smtClean="0"/>
+              <a:t>就是</a:t>
+            </a:r>
+            <a:r>
+              <a:rPr lang="en-US" altLang="zh-CN" baseline="0" dirty="0" smtClean="0"/>
+              <a:t>atom</a:t>
+            </a:r>
+            <a:r>
+              <a:rPr lang="zh-CN" altLang="en-US" baseline="0" dirty="0" smtClean="0"/>
+              <a:t>中一个变量是规则中的已有变量，另一个是新变量，这个可以用来拓展规则的长度</a:t>
+            </a:r>
+            <a:endParaRPr lang="en-US" altLang="zh-CN" baseline="0" dirty="0" smtClean="0"/>
+          </a:p>
+          <a:p>
+            <a:r>
+              <a:rPr lang="en-US" altLang="zh-CN" baseline="0" dirty="0" smtClean="0"/>
+              <a:t>Instantiated Atom </a:t>
+            </a:r>
+            <a:r>
+              <a:rPr lang="zh-CN" altLang="en-US" baseline="0" dirty="0" smtClean="0"/>
+              <a:t>就是</a:t>
+            </a:r>
+            <a:r>
+              <a:rPr lang="en-US" altLang="zh-CN" baseline="0" dirty="0" smtClean="0"/>
+              <a:t>atom</a:t>
+            </a:r>
+            <a:r>
+              <a:rPr lang="zh-CN" altLang="en-US" baseline="0" dirty="0" smtClean="0"/>
+              <a:t>中一个变量是规则中的已有变量，另一个是知识库中的实例</a:t>
+            </a:r>
+            <a:endParaRPr lang="en-US" altLang="zh-CN" baseline="0" dirty="0" smtClean="0"/>
+          </a:p>
+          <a:p>
+            <a:endParaRPr lang="zh-CN" altLang="en-US" dirty="0"/>
+          </a:p>
+        </p:txBody>
+      </p:sp>
+      <p:sp>
+        <p:nvSpPr>
+          <p:cNvPr id="4" name="灯片编号占位符 3"/>
+          <p:cNvSpPr>
+            <a:spLocks noGrp="1"/>
+          </p:cNvSpPr>
+          <p:nvPr>
+            <p:ph type="sldNum" sz="quarter" idx="10"/>
+          </p:nvPr>
+        </p:nvSpPr>
+        <p:spPr/>
+        <p:txBody>
+          <a:bodyPr/>
+          <a:lstStyle/>
+          <a:p>
+            <a:fld id="{2F25F732-90D6-41E9-BF2F-F9F81F38F3B3}" type="slidenum">
+              <a:rPr lang="zh-CN" altLang="en-US" smtClean="0"/>
+              <a:t>10</a:t>
+            </a:fld>
+            <a:endParaRPr lang="zh-CN" altLang="en-US"/>
+          </a:p>
+        </p:txBody>
+      </p:sp>
+    </p:spTree>
+    <p:extLst>
+      <p:ext uri="{BB962C8B-B14F-4D97-AF65-F5344CB8AC3E}">
+        <p14:creationId xmlns:p14="http://schemas.microsoft.com/office/powerpoint/2010/main" val="3307346533"/>
+      </p:ext>
+    </p:extLst>
+  </p:cSld>
+  <p:clrMapOvr>
+    <a:masterClrMapping/>
+  </p:clrMapOvr>
+</p:notes>
+</file>
+
+<file path=ppt/notesSlides/notesSlide11.xml><?xml version="1.0" encoding="utf-8"?>
+<p:notes xmlns:a="http://schemas.openxmlformats.org/drawingml/2006/main" xmlns:r="http://schemas.openxmlformats.org/officeDocument/2006/relationships" xmlns:p="http://schemas.openxmlformats.org/presentationml/2006/main">
+  <p:cSld>
+    <p:spTree>
+      <p:nvGrpSpPr>
+        <p:cNvPr id="1" name=""/>
+        <p:cNvGrpSpPr/>
+        <p:nvPr/>
+      </p:nvGrpSpPr>
+      <p:grpSpPr>
+        <a:xfrm>
+          <a:off x="0" y="0"/>
+          <a:ext cx="0" cy="0"/>
+          <a:chOff x="0" y="0"/>
+          <a:chExt cx="0" cy="0"/>
+        </a:xfrm>
+      </p:grpSpPr>
+      <p:sp>
+        <p:nvSpPr>
+          <p:cNvPr id="2" name="幻灯片图像占位符 1"/>
+          <p:cNvSpPr>
+            <a:spLocks noGrp="1" noRot="1" noChangeAspect="1"/>
+          </p:cNvSpPr>
+          <p:nvPr>
+            <p:ph type="sldImg"/>
+          </p:nvPr>
+        </p:nvSpPr>
+        <p:spPr/>
+      </p:sp>
+      <p:sp>
+        <p:nvSpPr>
+          <p:cNvPr id="3" name="备注占位符 2"/>
+          <p:cNvSpPr>
+            <a:spLocks noGrp="1"/>
+          </p:cNvSpPr>
+          <p:nvPr>
+            <p:ph type="body" idx="1"/>
+          </p:nvPr>
+        </p:nvSpPr>
+        <p:spPr/>
+        <p:txBody>
+          <a:bodyPr/>
+          <a:lstStyle/>
+          <a:p>
+            <a:r>
+              <a:rPr lang="en-US" altLang="zh-CN" baseline="0" dirty="0" smtClean="0"/>
+              <a:t>Closing Atom </a:t>
+            </a:r>
+            <a:r>
+              <a:rPr lang="zh-CN" altLang="en-US" baseline="0" dirty="0" smtClean="0"/>
+              <a:t>就是</a:t>
+            </a:r>
+            <a:r>
+              <a:rPr lang="en-US" altLang="zh-CN" baseline="0" dirty="0" smtClean="0"/>
+              <a:t>atom</a:t>
+            </a:r>
+            <a:r>
+              <a:rPr lang="zh-CN" altLang="en-US" baseline="0" dirty="0" smtClean="0"/>
+              <a:t>中两个变量都是规则中的已有变量，这是为了将规则进行封闭</a:t>
+            </a:r>
+            <a:endParaRPr lang="en-US" altLang="zh-CN" baseline="0" dirty="0" smtClean="0"/>
+          </a:p>
+          <a:p>
+            <a:r>
+              <a:rPr lang="en-US" altLang="zh-CN" baseline="0" dirty="0" smtClean="0"/>
+              <a:t>Opened Atom </a:t>
+            </a:r>
+            <a:r>
+              <a:rPr lang="zh-CN" altLang="en-US" baseline="0" dirty="0" smtClean="0"/>
+              <a:t>就是非封闭规则中的</a:t>
+            </a:r>
+            <a:r>
+              <a:rPr lang="en-US" altLang="zh-CN" baseline="0" dirty="0" smtClean="0"/>
+              <a:t>atom</a:t>
+            </a:r>
+            <a:r>
+              <a:rPr lang="zh-CN" altLang="en-US" baseline="0" dirty="0" smtClean="0"/>
+              <a:t>，里面包含固定变量</a:t>
+            </a:r>
+            <a:r>
+              <a:rPr lang="en-US" altLang="zh-CN" baseline="0" dirty="0" smtClean="0"/>
+              <a:t>a</a:t>
+            </a:r>
+            <a:r>
+              <a:rPr lang="zh-CN" altLang="en-US" baseline="0" dirty="0" smtClean="0"/>
+              <a:t>和自由变量</a:t>
+            </a:r>
+            <a:r>
+              <a:rPr lang="en-US" altLang="zh-CN" baseline="0" dirty="0" err="1" smtClean="0"/>
+              <a:t>bcd</a:t>
+            </a:r>
+            <a:endParaRPr lang="en-US" altLang="zh-CN" dirty="0" smtClean="0"/>
+          </a:p>
+          <a:p>
+            <a:endParaRPr lang="zh-CN" altLang="en-US" dirty="0"/>
+          </a:p>
+        </p:txBody>
+      </p:sp>
+      <p:sp>
+        <p:nvSpPr>
+          <p:cNvPr id="4" name="灯片编号占位符 3"/>
+          <p:cNvSpPr>
+            <a:spLocks noGrp="1"/>
+          </p:cNvSpPr>
+          <p:nvPr>
+            <p:ph type="sldNum" sz="quarter" idx="10"/>
+          </p:nvPr>
+        </p:nvSpPr>
+        <p:spPr/>
+        <p:txBody>
+          <a:bodyPr/>
+          <a:lstStyle/>
+          <a:p>
+            <a:fld id="{2F25F732-90D6-41E9-BF2F-F9F81F38F3B3}" type="slidenum">
+              <a:rPr lang="zh-CN" altLang="en-US" smtClean="0"/>
+              <a:t>11</a:t>
+            </a:fld>
+            <a:endParaRPr lang="zh-CN" altLang="en-US"/>
+          </a:p>
+        </p:txBody>
+      </p:sp>
+    </p:spTree>
+    <p:extLst>
+      <p:ext uri="{BB962C8B-B14F-4D97-AF65-F5344CB8AC3E}">
+        <p14:creationId xmlns:p14="http://schemas.microsoft.com/office/powerpoint/2010/main" val="1776152918"/>
+      </p:ext>
+    </p:extLst>
+  </p:cSld>
+  <p:clrMapOvr>
+    <a:masterClrMapping/>
+  </p:clrMapOvr>
+</p:notes>
+</file>
+
+<file path=ppt/notesSlides/notesSlide12.xml><?xml version="1.0" encoding="utf-8"?>
+<p:notes xmlns:a="http://schemas.openxmlformats.org/drawingml/2006/main" xmlns:r="http://schemas.openxmlformats.org/officeDocument/2006/relationships" xmlns:p="http://schemas.openxmlformats.org/presentationml/2006/main">
+  <p:cSld>
+    <p:spTree>
+      <p:nvGrpSpPr>
+        <p:cNvPr id="1" name=""/>
+        <p:cNvGrpSpPr/>
+        <p:nvPr/>
+      </p:nvGrpSpPr>
+      <p:grpSpPr>
+        <a:xfrm>
+          <a:off x="0" y="0"/>
+          <a:ext cx="0" cy="0"/>
+          <a:chOff x="0" y="0"/>
+          <a:chExt cx="0" cy="0"/>
+        </a:xfrm>
+      </p:grpSpPr>
+      <p:sp>
+        <p:nvSpPr>
+          <p:cNvPr id="2" name="幻灯片图像占位符 1"/>
+          <p:cNvSpPr>
+            <a:spLocks noGrp="1" noRot="1" noChangeAspect="1"/>
+          </p:cNvSpPr>
+          <p:nvPr>
+            <p:ph type="sldImg"/>
+          </p:nvPr>
+        </p:nvSpPr>
+        <p:spPr/>
+      </p:sp>
+      <p:sp>
+        <p:nvSpPr>
+          <p:cNvPr id="3" name="备注占位符 2"/>
+          <p:cNvSpPr>
+            <a:spLocks noGrp="1"/>
+          </p:cNvSpPr>
+          <p:nvPr>
+            <p:ph type="body" idx="1"/>
+          </p:nvPr>
+        </p:nvSpPr>
+        <p:spPr/>
+        <p:txBody>
+          <a:bodyPr/>
+          <a:lstStyle/>
+          <a:p>
+            <a:r>
+              <a:rPr lang="zh-CN" altLang="en-US" dirty="0" smtClean="0"/>
+              <a:t>这是获取</a:t>
+            </a:r>
+            <a:r>
+              <a:rPr lang="en-US" altLang="zh-CN" dirty="0" smtClean="0"/>
+              <a:t>Dangling</a:t>
+            </a:r>
+            <a:r>
+              <a:rPr lang="en-US" altLang="zh-CN" baseline="0" dirty="0" smtClean="0"/>
+              <a:t> Atom </a:t>
+            </a:r>
+            <a:r>
+              <a:rPr lang="zh-CN" altLang="en-US" baseline="0" dirty="0" smtClean="0"/>
+              <a:t>的过程</a:t>
+            </a:r>
+            <a:endParaRPr lang="en-US" altLang="zh-CN" baseline="0" dirty="0" smtClean="0"/>
+          </a:p>
+          <a:p>
+            <a:pPr marL="0" marR="0" indent="0" algn="l" defTabSz="914400" rtl="0" eaLnBrk="1" fontAlgn="auto" latinLnBrk="0" hangingPunct="1">
+              <a:lnSpc>
+                <a:spcPct val="100000"/>
+              </a:lnSpc>
+              <a:spcBef>
+                <a:spcPts val="0"/>
+              </a:spcBef>
+              <a:spcAft>
+                <a:spcPts val="0"/>
+              </a:spcAft>
+              <a:buClrTx/>
+              <a:buSzTx/>
+              <a:buFontTx/>
+              <a:buNone/>
+              <a:tabLst/>
+              <a:defRPr/>
+            </a:pPr>
+            <a:r>
+              <a:rPr lang="zh-CN" altLang="en-US" baseline="0" dirty="0" smtClean="0"/>
+              <a:t>添加新的</a:t>
+            </a:r>
+            <a:r>
+              <a:rPr lang="en-US" altLang="zh-CN" baseline="0" dirty="0" smtClean="0"/>
+              <a:t>atom  </a:t>
+            </a:r>
+            <a:r>
+              <a:rPr lang="en-US" altLang="zh-CN" sz="1200" dirty="0" smtClean="0"/>
+              <a:t>?a ?p ?e</a:t>
+            </a:r>
+            <a:r>
+              <a:rPr lang="zh-CN" altLang="en-US" sz="1200" dirty="0" smtClean="0"/>
+              <a:t>，其中有固定变量</a:t>
+            </a:r>
+            <a:r>
+              <a:rPr lang="en-US" altLang="zh-CN" sz="1200" dirty="0" smtClean="0"/>
+              <a:t>a </a:t>
+            </a:r>
+            <a:r>
+              <a:rPr lang="zh-CN" altLang="en-US" sz="1200" dirty="0" smtClean="0"/>
+              <a:t>和新变量</a:t>
+            </a:r>
+            <a:r>
+              <a:rPr lang="en-US" altLang="zh-CN" sz="1200" dirty="0" smtClean="0"/>
+              <a:t>e</a:t>
+            </a:r>
+          </a:p>
+          <a:p>
+            <a:pPr marL="0" marR="0" indent="0" algn="l" defTabSz="914400" rtl="0" eaLnBrk="1" fontAlgn="auto" latinLnBrk="0" hangingPunct="1">
+              <a:lnSpc>
+                <a:spcPct val="100000"/>
+              </a:lnSpc>
+              <a:spcBef>
+                <a:spcPts val="0"/>
+              </a:spcBef>
+              <a:spcAft>
+                <a:spcPts val="0"/>
+              </a:spcAft>
+              <a:buClrTx/>
+              <a:buSzTx/>
+              <a:buFontTx/>
+              <a:buNone/>
+              <a:tabLst/>
+              <a:defRPr/>
+            </a:pPr>
+            <a:r>
+              <a:rPr lang="zh-CN" altLang="en-US" sz="1200" dirty="0" smtClean="0"/>
+              <a:t>调用</a:t>
+            </a:r>
+            <a:r>
+              <a:rPr lang="en-US" altLang="zh-CN" sz="1200" dirty="0" err="1" smtClean="0"/>
+              <a:t>countProjectionBindings</a:t>
+            </a:r>
+            <a:r>
+              <a:rPr lang="zh-CN" altLang="en-US" sz="1200" dirty="0" smtClean="0"/>
+              <a:t>，得到</a:t>
+            </a:r>
+            <a:r>
+              <a:rPr lang="en-US" altLang="zh-CN" sz="1200" dirty="0" smtClean="0"/>
+              <a:t>relation </a:t>
+            </a:r>
+            <a:r>
+              <a:rPr lang="zh-CN" altLang="en-US" sz="1200" dirty="0" smtClean="0"/>
+              <a:t>的实例集合</a:t>
+            </a:r>
+            <a:endParaRPr lang="en-US" altLang="zh-CN" sz="1200" dirty="0" smtClean="0"/>
+          </a:p>
+          <a:p>
+            <a:pPr marL="0" marR="0" indent="0" algn="l" defTabSz="914400" rtl="0" eaLnBrk="1" fontAlgn="auto" latinLnBrk="0" hangingPunct="1">
+              <a:lnSpc>
+                <a:spcPct val="100000"/>
+              </a:lnSpc>
+              <a:spcBef>
+                <a:spcPts val="0"/>
+              </a:spcBef>
+              <a:spcAft>
+                <a:spcPts val="0"/>
+              </a:spcAft>
+              <a:buClrTx/>
+              <a:buSzTx/>
+              <a:buFontTx/>
+              <a:buNone/>
+              <a:tabLst/>
+              <a:defRPr/>
+            </a:pPr>
+            <a:r>
+              <a:rPr lang="zh-CN" altLang="en-US" sz="1200" dirty="0" smtClean="0"/>
+              <a:t>这就获得新的</a:t>
+            </a:r>
+            <a:r>
+              <a:rPr lang="en-US" altLang="zh-CN" sz="1200" dirty="0" smtClean="0"/>
+              <a:t>Atom</a:t>
+            </a:r>
+            <a:r>
+              <a:rPr lang="zh-CN" altLang="en-US" sz="1200" dirty="0" smtClean="0"/>
+              <a:t>，</a:t>
+            </a:r>
+            <a:r>
+              <a:rPr lang="en-US" altLang="zh-CN" sz="1200" dirty="0" smtClean="0"/>
+              <a:t>?a &lt;R1&gt; ?e</a:t>
+            </a:r>
+            <a:r>
+              <a:rPr lang="zh-CN" altLang="en-US" sz="1200" dirty="0" smtClean="0"/>
+              <a:t>，加到规则里面就得到了新的规则</a:t>
+            </a:r>
+            <a:endParaRPr lang="en-US" altLang="zh-CN" sz="1200" dirty="0" smtClean="0"/>
+          </a:p>
+          <a:p>
+            <a:endParaRPr lang="zh-CN" altLang="en-US" dirty="0"/>
+          </a:p>
+        </p:txBody>
+      </p:sp>
+      <p:sp>
+        <p:nvSpPr>
+          <p:cNvPr id="4" name="灯片编号占位符 3"/>
+          <p:cNvSpPr>
+            <a:spLocks noGrp="1"/>
+          </p:cNvSpPr>
+          <p:nvPr>
+            <p:ph type="sldNum" sz="quarter" idx="10"/>
+          </p:nvPr>
+        </p:nvSpPr>
+        <p:spPr/>
+        <p:txBody>
+          <a:bodyPr/>
+          <a:lstStyle/>
+          <a:p>
+            <a:fld id="{2F25F732-90D6-41E9-BF2F-F9F81F38F3B3}" type="slidenum">
+              <a:rPr lang="zh-CN" altLang="en-US" smtClean="0"/>
+              <a:t>12</a:t>
+            </a:fld>
+            <a:endParaRPr lang="zh-CN" altLang="en-US"/>
+          </a:p>
+        </p:txBody>
+      </p:sp>
+    </p:spTree>
+    <p:extLst>
+      <p:ext uri="{BB962C8B-B14F-4D97-AF65-F5344CB8AC3E}">
+        <p14:creationId xmlns:p14="http://schemas.microsoft.com/office/powerpoint/2010/main" val="1571181529"/>
+      </p:ext>
+    </p:extLst>
+  </p:cSld>
+  <p:clrMapOvr>
+    <a:masterClrMapping/>
+  </p:clrMapOvr>
+</p:notes>
+</file>
+
+<file path=ppt/notesSlides/notesSlide13.xml><?xml version="1.0" encoding="utf-8"?>
+<p:notes xmlns:a="http://schemas.openxmlformats.org/drawingml/2006/main" xmlns:r="http://schemas.openxmlformats.org/officeDocument/2006/relationships" xmlns:p="http://schemas.openxmlformats.org/presentationml/2006/main">
+  <p:cSld>
+    <p:spTree>
+      <p:nvGrpSpPr>
+        <p:cNvPr id="1" name=""/>
+        <p:cNvGrpSpPr/>
+        <p:nvPr/>
+      </p:nvGrpSpPr>
+      <p:grpSpPr>
+        <a:xfrm>
+          <a:off x="0" y="0"/>
+          <a:ext cx="0" cy="0"/>
+          <a:chOff x="0" y="0"/>
+          <a:chExt cx="0" cy="0"/>
+        </a:xfrm>
+      </p:grpSpPr>
+      <p:sp>
+        <p:nvSpPr>
+          <p:cNvPr id="2" name="幻灯片图像占位符 1"/>
+          <p:cNvSpPr>
+            <a:spLocks noGrp="1" noRot="1" noChangeAspect="1"/>
+          </p:cNvSpPr>
+          <p:nvPr>
+            <p:ph type="sldImg"/>
+          </p:nvPr>
+        </p:nvSpPr>
+        <p:spPr/>
+      </p:sp>
+      <p:sp>
+        <p:nvSpPr>
+          <p:cNvPr id="3" name="备注占位符 2"/>
+          <p:cNvSpPr>
+            <a:spLocks noGrp="1"/>
+          </p:cNvSpPr>
+          <p:nvPr>
+            <p:ph type="body" idx="1"/>
+          </p:nvPr>
+        </p:nvSpPr>
+        <p:spPr/>
+        <p:txBody>
+          <a:bodyPr/>
+          <a:lstStyle/>
+          <a:p>
+            <a:r>
+              <a:rPr lang="zh-CN" altLang="en-US" dirty="0" smtClean="0"/>
+              <a:t>这是获取</a:t>
+            </a:r>
+            <a:r>
+              <a:rPr lang="en-US" altLang="zh-CN" dirty="0" smtClean="0"/>
+              <a:t>Closing </a:t>
+            </a:r>
+            <a:r>
+              <a:rPr lang="en-US" altLang="zh-CN" baseline="0" dirty="0" smtClean="0"/>
+              <a:t>Atom </a:t>
+            </a:r>
+            <a:r>
+              <a:rPr lang="zh-CN" altLang="en-US" baseline="0" dirty="0" smtClean="0"/>
+              <a:t>的过程，跟之前差不多，只是</a:t>
+            </a:r>
+            <a:r>
+              <a:rPr lang="en-US" altLang="zh-CN" baseline="0" dirty="0" smtClean="0"/>
+              <a:t>a </a:t>
+            </a:r>
+            <a:r>
+              <a:rPr lang="zh-CN" altLang="en-US" baseline="0" dirty="0" smtClean="0"/>
+              <a:t>和</a:t>
+            </a:r>
+            <a:r>
+              <a:rPr lang="en-US" altLang="zh-CN" baseline="0" dirty="0" smtClean="0"/>
+              <a:t>e</a:t>
+            </a:r>
+            <a:r>
+              <a:rPr lang="zh-CN" altLang="en-US" baseline="0" dirty="0" smtClean="0"/>
+              <a:t>都是规则中的变量</a:t>
+            </a:r>
+            <a:endParaRPr lang="en-US" altLang="zh-CN" baseline="0" dirty="0" smtClean="0"/>
+          </a:p>
+          <a:p>
+            <a:r>
+              <a:rPr lang="zh-CN" altLang="en-US" sz="1200" dirty="0" smtClean="0"/>
+              <a:t>调用</a:t>
+            </a:r>
+            <a:r>
+              <a:rPr lang="en-US" altLang="zh-CN" sz="1200" dirty="0" err="1" smtClean="0"/>
+              <a:t>countProjectionBindings</a:t>
+            </a:r>
+            <a:r>
+              <a:rPr lang="zh-CN" altLang="en-US" sz="1200" dirty="0" smtClean="0"/>
+              <a:t>，得到</a:t>
+            </a:r>
+            <a:r>
+              <a:rPr lang="en-US" altLang="zh-CN" sz="1200" dirty="0" smtClean="0"/>
+              <a:t>relation </a:t>
+            </a:r>
+            <a:r>
+              <a:rPr lang="zh-CN" altLang="en-US" sz="1200" dirty="0" smtClean="0"/>
+              <a:t>的实例集合</a:t>
+            </a:r>
+            <a:endParaRPr lang="en-US" altLang="zh-CN" sz="1200" dirty="0" smtClean="0"/>
+          </a:p>
+          <a:p>
+            <a:pPr marL="0" marR="0" indent="0" algn="l" defTabSz="914400" rtl="0" eaLnBrk="1" fontAlgn="auto" latinLnBrk="0" hangingPunct="1">
+              <a:lnSpc>
+                <a:spcPct val="100000"/>
+              </a:lnSpc>
+              <a:spcBef>
+                <a:spcPts val="0"/>
+              </a:spcBef>
+              <a:spcAft>
+                <a:spcPts val="0"/>
+              </a:spcAft>
+              <a:buClrTx/>
+              <a:buSzTx/>
+              <a:buFontTx/>
+              <a:buNone/>
+              <a:tabLst/>
+              <a:defRPr/>
+            </a:pPr>
+            <a:r>
+              <a:rPr lang="zh-CN" altLang="en-US" sz="1200" dirty="0" smtClean="0"/>
+              <a:t>这就获得新的</a:t>
+            </a:r>
+            <a:r>
+              <a:rPr lang="en-US" altLang="zh-CN" sz="1200" dirty="0" smtClean="0"/>
+              <a:t>Atom</a:t>
+            </a:r>
+            <a:r>
+              <a:rPr lang="zh-CN" altLang="en-US" sz="1200" dirty="0" smtClean="0"/>
+              <a:t>，</a:t>
+            </a:r>
+            <a:r>
+              <a:rPr lang="en-US" altLang="zh-CN" sz="1200" dirty="0" smtClean="0"/>
+              <a:t>?a &lt;R1&gt; ?e</a:t>
+            </a:r>
+            <a:r>
+              <a:rPr lang="zh-CN" altLang="en-US" sz="1200" dirty="0" smtClean="0"/>
+              <a:t>，加到规则里面就得到了新的规则</a:t>
+            </a:r>
+            <a:endParaRPr lang="en-US" altLang="zh-CN" sz="1200" dirty="0" smtClean="0"/>
+          </a:p>
+          <a:p>
+            <a:endParaRPr lang="zh-CN" altLang="en-US" dirty="0"/>
+          </a:p>
+        </p:txBody>
+      </p:sp>
+      <p:sp>
+        <p:nvSpPr>
+          <p:cNvPr id="4" name="灯片编号占位符 3"/>
+          <p:cNvSpPr>
+            <a:spLocks noGrp="1"/>
+          </p:cNvSpPr>
+          <p:nvPr>
+            <p:ph type="sldNum" sz="quarter" idx="10"/>
+          </p:nvPr>
+        </p:nvSpPr>
+        <p:spPr/>
+        <p:txBody>
+          <a:bodyPr/>
+          <a:lstStyle/>
+          <a:p>
+            <a:fld id="{2F25F732-90D6-41E9-BF2F-F9F81F38F3B3}" type="slidenum">
+              <a:rPr lang="zh-CN" altLang="en-US" smtClean="0"/>
+              <a:t>13</a:t>
+            </a:fld>
+            <a:endParaRPr lang="zh-CN" altLang="en-US"/>
+          </a:p>
+        </p:txBody>
+      </p:sp>
+    </p:spTree>
+    <p:extLst>
+      <p:ext uri="{BB962C8B-B14F-4D97-AF65-F5344CB8AC3E}">
+        <p14:creationId xmlns:p14="http://schemas.microsoft.com/office/powerpoint/2010/main" val="3588063449"/>
+      </p:ext>
+    </p:extLst>
+  </p:cSld>
+  <p:clrMapOvr>
+    <a:masterClrMapping/>
+  </p:clrMapOvr>
+</p:notes>
+</file>
+
+<file path=ppt/notesSlides/notesSlide14.xml><?xml version="1.0" encoding="utf-8"?>
+<p:notes xmlns:a="http://schemas.openxmlformats.org/drawingml/2006/main" xmlns:r="http://schemas.openxmlformats.org/officeDocument/2006/relationships" xmlns:p="http://schemas.openxmlformats.org/presentationml/2006/main">
+  <p:cSld>
+    <p:spTree>
+      <p:nvGrpSpPr>
+        <p:cNvPr id="1" name=""/>
+        <p:cNvGrpSpPr/>
+        <p:nvPr/>
+      </p:nvGrpSpPr>
+      <p:grpSpPr>
+        <a:xfrm>
+          <a:off x="0" y="0"/>
+          <a:ext cx="0" cy="0"/>
+          <a:chOff x="0" y="0"/>
+          <a:chExt cx="0" cy="0"/>
+        </a:xfrm>
+      </p:grpSpPr>
+      <p:sp>
+        <p:nvSpPr>
+          <p:cNvPr id="2" name="幻灯片图像占位符 1"/>
+          <p:cNvSpPr>
+            <a:spLocks noGrp="1" noRot="1" noChangeAspect="1"/>
+          </p:cNvSpPr>
+          <p:nvPr>
+            <p:ph type="sldImg"/>
+          </p:nvPr>
+        </p:nvSpPr>
+        <p:spPr/>
+      </p:sp>
+      <p:sp>
+        <p:nvSpPr>
+          <p:cNvPr id="3" name="备注占位符 2"/>
+          <p:cNvSpPr>
+            <a:spLocks noGrp="1"/>
+          </p:cNvSpPr>
+          <p:nvPr>
+            <p:ph type="body" idx="1"/>
+          </p:nvPr>
+        </p:nvSpPr>
+        <p:spPr/>
+        <p:txBody>
+          <a:bodyPr/>
+          <a:lstStyle/>
+          <a:p>
+            <a:r>
+              <a:rPr lang="zh-CN" altLang="en-US" dirty="0" smtClean="0"/>
+              <a:t>这是获取</a:t>
+            </a:r>
+            <a:r>
+              <a:rPr lang="en-US" altLang="zh-CN" dirty="0" smtClean="0"/>
+              <a:t>Opened </a:t>
+            </a:r>
+            <a:r>
+              <a:rPr lang="en-US" altLang="zh-CN" baseline="0" dirty="0" smtClean="0"/>
+              <a:t>Atom </a:t>
+            </a:r>
+            <a:r>
+              <a:rPr lang="zh-CN" altLang="en-US" baseline="0" dirty="0" smtClean="0"/>
+              <a:t>的过程</a:t>
+            </a:r>
+            <a:endParaRPr lang="en-US" altLang="zh-CN" baseline="0" dirty="0" smtClean="0"/>
+          </a:p>
+          <a:p>
+            <a:pPr marL="0" marR="0" indent="0" algn="l" defTabSz="914400" rtl="0" eaLnBrk="1" fontAlgn="auto" latinLnBrk="0" hangingPunct="1">
+              <a:lnSpc>
+                <a:spcPct val="100000"/>
+              </a:lnSpc>
+              <a:spcBef>
+                <a:spcPts val="0"/>
+              </a:spcBef>
+              <a:spcAft>
+                <a:spcPts val="0"/>
+              </a:spcAft>
+              <a:buClrTx/>
+              <a:buSzTx/>
+              <a:buFontTx/>
+              <a:buNone/>
+              <a:tabLst/>
+              <a:defRPr/>
+            </a:pPr>
+            <a:r>
+              <a:rPr lang="zh-CN" altLang="en-US" sz="1200" dirty="0" smtClean="0"/>
+              <a:t>添加新的</a:t>
+            </a:r>
+            <a:r>
+              <a:rPr lang="en-US" altLang="zh-CN" sz="1200" dirty="0" smtClean="0"/>
+              <a:t>atom</a:t>
+            </a:r>
+            <a:r>
+              <a:rPr lang="zh-CN" altLang="en-US" sz="1200" dirty="0" smtClean="0"/>
+              <a:t>：</a:t>
+            </a:r>
+            <a:r>
+              <a:rPr lang="en-US" altLang="zh-CN" sz="1200" dirty="0" smtClean="0"/>
+              <a:t>?a ?p ?e  ( ?a </a:t>
+            </a:r>
+            <a:r>
+              <a:rPr lang="zh-CN" altLang="en-US" sz="1200" dirty="0" smtClean="0"/>
+              <a:t>固定变量</a:t>
+            </a:r>
+            <a:r>
+              <a:rPr lang="en-US" altLang="zh-CN" sz="1200" dirty="0" smtClean="0"/>
+              <a:t>   ?e </a:t>
+            </a:r>
+            <a:r>
+              <a:rPr lang="zh-CN" altLang="en-US" sz="1200" dirty="0" smtClean="0"/>
+              <a:t>自由变量 </a:t>
+            </a:r>
+            <a:r>
+              <a:rPr lang="en-US" altLang="zh-CN" sz="1200" dirty="0" smtClean="0"/>
+              <a:t>)</a:t>
+            </a:r>
+            <a:endParaRPr lang="en-US" altLang="zh-CN" baseline="0" dirty="0" smtClean="0"/>
+          </a:p>
+          <a:p>
+            <a:r>
+              <a:rPr lang="zh-CN" altLang="en-US" sz="1200" dirty="0" smtClean="0"/>
+              <a:t>调用</a:t>
+            </a:r>
+            <a:r>
+              <a:rPr lang="en-US" altLang="zh-CN" sz="1200" dirty="0" err="1" smtClean="0"/>
+              <a:t>countProjectionBindings</a:t>
+            </a:r>
+            <a:r>
+              <a:rPr lang="zh-CN" altLang="en-US" sz="1200" dirty="0" smtClean="0"/>
+              <a:t>，得到</a:t>
+            </a:r>
+            <a:r>
+              <a:rPr lang="en-US" altLang="zh-CN" sz="1200" dirty="0" smtClean="0"/>
+              <a:t>relation </a:t>
+            </a:r>
+            <a:r>
+              <a:rPr lang="zh-CN" altLang="en-US" sz="1200" dirty="0" smtClean="0"/>
+              <a:t>的实例集合</a:t>
+            </a:r>
+            <a:endParaRPr lang="en-US" altLang="zh-CN" sz="1200" dirty="0" smtClean="0"/>
+          </a:p>
+          <a:p>
+            <a:pPr marL="0" marR="0" indent="0" algn="l" defTabSz="914400" rtl="0" eaLnBrk="1" fontAlgn="auto" latinLnBrk="0" hangingPunct="1">
+              <a:lnSpc>
+                <a:spcPct val="100000"/>
+              </a:lnSpc>
+              <a:spcBef>
+                <a:spcPts val="0"/>
+              </a:spcBef>
+              <a:spcAft>
+                <a:spcPts val="0"/>
+              </a:spcAft>
+              <a:buClrTx/>
+              <a:buSzTx/>
+              <a:buFontTx/>
+              <a:buNone/>
+              <a:tabLst/>
+              <a:defRPr/>
+            </a:pPr>
+            <a:r>
+              <a:rPr lang="zh-CN" altLang="en-US" sz="1200" dirty="0" smtClean="0"/>
+              <a:t>这就获得新的</a:t>
+            </a:r>
+            <a:r>
+              <a:rPr lang="en-US" altLang="zh-CN" sz="1200" dirty="0" smtClean="0"/>
+              <a:t>Atom</a:t>
+            </a:r>
+            <a:r>
+              <a:rPr lang="zh-CN" altLang="en-US" sz="1200" dirty="0" smtClean="0"/>
+              <a:t>，</a:t>
+            </a:r>
+            <a:r>
+              <a:rPr lang="en-US" altLang="zh-CN" sz="1200" dirty="0" smtClean="0"/>
+              <a:t>?a &lt;R1&gt; ?e</a:t>
+            </a:r>
+            <a:r>
+              <a:rPr lang="zh-CN" altLang="en-US" sz="1200" dirty="0" smtClean="0"/>
+              <a:t>，加到规则里面就得到了新的规则，还有就是对这条规则打上非封闭规则的标记，跟封闭规则区分开来</a:t>
+            </a:r>
+            <a:endParaRPr lang="en-US" altLang="zh-CN" sz="1200" dirty="0" smtClean="0"/>
+          </a:p>
+        </p:txBody>
+      </p:sp>
+      <p:sp>
+        <p:nvSpPr>
+          <p:cNvPr id="4" name="灯片编号占位符 3"/>
+          <p:cNvSpPr>
+            <a:spLocks noGrp="1"/>
+          </p:cNvSpPr>
+          <p:nvPr>
+            <p:ph type="sldNum" sz="quarter" idx="10"/>
+          </p:nvPr>
+        </p:nvSpPr>
+        <p:spPr/>
+        <p:txBody>
+          <a:bodyPr/>
+          <a:lstStyle/>
+          <a:p>
+            <a:fld id="{2F25F732-90D6-41E9-BF2F-F9F81F38F3B3}" type="slidenum">
+              <a:rPr lang="zh-CN" altLang="en-US" smtClean="0"/>
+              <a:t>14</a:t>
+            </a:fld>
+            <a:endParaRPr lang="zh-CN" altLang="en-US"/>
+          </a:p>
+        </p:txBody>
+      </p:sp>
+    </p:spTree>
+    <p:extLst>
+      <p:ext uri="{BB962C8B-B14F-4D97-AF65-F5344CB8AC3E}">
+        <p14:creationId xmlns:p14="http://schemas.microsoft.com/office/powerpoint/2010/main" val="2489300716"/>
+      </p:ext>
+    </p:extLst>
+  </p:cSld>
+  <p:clrMapOvr>
+    <a:masterClrMapping/>
+  </p:clrMapOvr>
+</p:notes>
+</file>
+
+<file path=ppt/notesSlides/notesSlide15.xml><?xml version="1.0" encoding="utf-8"?>
+<p:notes xmlns:a="http://schemas.openxmlformats.org/drawingml/2006/main" xmlns:r="http://schemas.openxmlformats.org/officeDocument/2006/relationships" xmlns:p="http://schemas.openxmlformats.org/presentationml/2006/main">
+  <p:cSld>
+    <p:spTree>
+      <p:nvGrpSpPr>
+        <p:cNvPr id="1" name=""/>
+        <p:cNvGrpSpPr/>
+        <p:nvPr/>
+      </p:nvGrpSpPr>
+      <p:grpSpPr>
+        <a:xfrm>
+          <a:off x="0" y="0"/>
+          <a:ext cx="0" cy="0"/>
+          <a:chOff x="0" y="0"/>
+          <a:chExt cx="0" cy="0"/>
+        </a:xfrm>
+      </p:grpSpPr>
+      <p:sp>
+        <p:nvSpPr>
+          <p:cNvPr id="2" name="幻灯片图像占位符 1"/>
+          <p:cNvSpPr>
+            <a:spLocks noGrp="1" noRot="1" noChangeAspect="1"/>
+          </p:cNvSpPr>
+          <p:nvPr>
+            <p:ph type="sldImg"/>
+          </p:nvPr>
+        </p:nvSpPr>
+        <p:spPr/>
+      </p:sp>
+      <p:sp>
+        <p:nvSpPr>
+          <p:cNvPr id="3" name="备注占位符 2"/>
+          <p:cNvSpPr>
+            <a:spLocks noGrp="1"/>
+          </p:cNvSpPr>
+          <p:nvPr>
+            <p:ph type="body" idx="1"/>
+          </p:nvPr>
+        </p:nvSpPr>
+        <p:spPr/>
+        <p:txBody>
+          <a:bodyPr/>
+          <a:lstStyle/>
+          <a:p>
+            <a:r>
+              <a:rPr lang="zh-CN" altLang="en-US" dirty="0" smtClean="0"/>
+              <a:t>判断输出条件</a:t>
+            </a:r>
+            <a:endParaRPr lang="en-US" altLang="zh-CN" dirty="0" smtClean="0"/>
+          </a:p>
+          <a:p>
+            <a:r>
+              <a:rPr lang="zh-CN" altLang="en-US" dirty="0" smtClean="0"/>
+              <a:t>用置信度来判断</a:t>
+            </a:r>
+            <a:endParaRPr lang="en-US" altLang="zh-CN" dirty="0" smtClean="0"/>
+          </a:p>
+          <a:p>
+            <a:r>
+              <a:rPr lang="zh-CN" altLang="en-US" dirty="0" smtClean="0"/>
+              <a:t>标准置信度是</a:t>
+            </a:r>
+            <a:r>
+              <a:rPr lang="zh-CN" altLang="en-US" baseline="0" dirty="0" smtClean="0"/>
+              <a:t> 支持度</a:t>
+            </a:r>
+            <a:r>
+              <a:rPr lang="en-US" altLang="zh-CN" baseline="0" dirty="0" smtClean="0"/>
+              <a:t>support </a:t>
+            </a:r>
+            <a:r>
+              <a:rPr lang="zh-CN" altLang="en-US" baseline="0" dirty="0" smtClean="0"/>
+              <a:t>除以 </a:t>
+            </a:r>
+            <a:r>
+              <a:rPr lang="en-US" altLang="zh-CN" baseline="0" dirty="0" err="1" smtClean="0"/>
+              <a:t>bodySize</a:t>
+            </a:r>
+            <a:endParaRPr lang="en-US" altLang="zh-CN" baseline="0" dirty="0" smtClean="0"/>
+          </a:p>
+          <a:p>
+            <a:r>
+              <a:rPr lang="zh-CN" altLang="en-US" baseline="0" dirty="0" smtClean="0"/>
+              <a:t>支持度之前挖掘规则的时候已经得到了，这里封闭规则和非封闭规则有一点区别</a:t>
+            </a:r>
+            <a:endParaRPr lang="en-US" altLang="zh-CN" baseline="0" dirty="0" smtClean="0"/>
+          </a:p>
+          <a:p>
+            <a:r>
+              <a:rPr lang="zh-CN" altLang="en-US" baseline="0" dirty="0" smtClean="0"/>
+              <a:t>封闭规则是对</a:t>
+            </a:r>
+            <a:r>
+              <a:rPr lang="en-US" altLang="zh-CN" baseline="0" dirty="0" smtClean="0"/>
+              <a:t>head atom</a:t>
+            </a:r>
+            <a:r>
+              <a:rPr lang="zh-CN" altLang="en-US" baseline="0" dirty="0" smtClean="0"/>
+              <a:t>进行计数，而非封闭规则是对</a:t>
+            </a:r>
+            <a:r>
+              <a:rPr lang="en-US" altLang="zh-CN" baseline="0" dirty="0" smtClean="0"/>
+              <a:t>head atom</a:t>
+            </a:r>
+            <a:r>
+              <a:rPr lang="zh-CN" altLang="en-US" baseline="0" dirty="0" smtClean="0"/>
+              <a:t>中的固定变量进行计数</a:t>
+            </a:r>
+            <a:endParaRPr lang="en-US" altLang="zh-CN" dirty="0" smtClean="0"/>
+          </a:p>
+          <a:p>
+            <a:r>
+              <a:rPr lang="en-US" altLang="zh-CN" baseline="0" dirty="0" err="1" smtClean="0"/>
+              <a:t>bodySize</a:t>
+            </a:r>
+            <a:r>
+              <a:rPr lang="zh-CN" altLang="en-US" baseline="0" dirty="0" smtClean="0"/>
+              <a:t>对</a:t>
+            </a:r>
+            <a:r>
+              <a:rPr lang="zh-CN" altLang="en-US" baseline="0" dirty="0" smtClean="0"/>
+              <a:t>封闭规则和非封闭规则也不一样</a:t>
+            </a:r>
+            <a:endParaRPr lang="en-US" altLang="zh-CN" baseline="0" dirty="0" smtClean="0"/>
+          </a:p>
+          <a:p>
+            <a:pPr marL="0" marR="0" indent="0" algn="l" defTabSz="914400" rtl="0" eaLnBrk="1" fontAlgn="auto" latinLnBrk="0" hangingPunct="1">
+              <a:lnSpc>
+                <a:spcPct val="100000"/>
+              </a:lnSpc>
+              <a:spcBef>
+                <a:spcPts val="0"/>
+              </a:spcBef>
+              <a:spcAft>
+                <a:spcPts val="0"/>
+              </a:spcAft>
+              <a:buClrTx/>
+              <a:buSzTx/>
+              <a:buFontTx/>
+              <a:buNone/>
+              <a:tabLst/>
+              <a:defRPr/>
+            </a:pPr>
+            <a:r>
+              <a:rPr lang="zh-CN" altLang="en-US" dirty="0" smtClean="0"/>
+              <a:t>。。。。</a:t>
+            </a:r>
+            <a:endParaRPr lang="en-US" altLang="zh-CN" dirty="0" smtClean="0"/>
+          </a:p>
+          <a:p>
+            <a:pPr marL="0" marR="0" indent="0" algn="l" defTabSz="914400" rtl="0" eaLnBrk="1" fontAlgn="auto" latinLnBrk="0" hangingPunct="1">
+              <a:lnSpc>
+                <a:spcPct val="100000"/>
+              </a:lnSpc>
+              <a:spcBef>
+                <a:spcPts val="0"/>
+              </a:spcBef>
+              <a:spcAft>
+                <a:spcPts val="0"/>
+              </a:spcAft>
+              <a:buClrTx/>
+              <a:buSzTx/>
+              <a:buFontTx/>
+              <a:buNone/>
+              <a:tabLst/>
+              <a:defRPr/>
+            </a:pPr>
+            <a:r>
+              <a:rPr lang="zh-CN" altLang="en-US" dirty="0" smtClean="0"/>
+              <a:t>这是由于</a:t>
+            </a:r>
+            <a:r>
+              <a:rPr lang="en-US" altLang="zh-CN" dirty="0" smtClean="0"/>
+              <a:t>head</a:t>
+            </a:r>
+            <a:r>
+              <a:rPr lang="zh-CN" altLang="en-US" dirty="0" smtClean="0"/>
+              <a:t>中的自由变量在</a:t>
+            </a:r>
+            <a:r>
+              <a:rPr lang="en-US" altLang="zh-CN" dirty="0" smtClean="0"/>
+              <a:t>body</a:t>
+            </a:r>
+            <a:r>
+              <a:rPr lang="zh-CN" altLang="en-US" dirty="0" smtClean="0"/>
+              <a:t>中不存在，在计算</a:t>
+            </a:r>
+            <a:r>
+              <a:rPr lang="en-US" altLang="zh-CN" dirty="0" err="1" smtClean="0"/>
+              <a:t>bodySize</a:t>
+            </a:r>
+            <a:r>
+              <a:rPr lang="zh-CN" altLang="en-US" dirty="0" smtClean="0"/>
+              <a:t>的时候会有问题</a:t>
+            </a:r>
+            <a:endParaRPr lang="en-US" altLang="zh-CN" baseline="0" dirty="0" smtClean="0"/>
+          </a:p>
+          <a:p>
+            <a:endParaRPr lang="zh-CN" altLang="en-US" dirty="0"/>
+          </a:p>
+        </p:txBody>
+      </p:sp>
+      <p:sp>
+        <p:nvSpPr>
+          <p:cNvPr id="4" name="灯片编号占位符 3"/>
+          <p:cNvSpPr>
+            <a:spLocks noGrp="1"/>
+          </p:cNvSpPr>
+          <p:nvPr>
+            <p:ph type="sldNum" sz="quarter" idx="10"/>
+          </p:nvPr>
+        </p:nvSpPr>
+        <p:spPr/>
+        <p:txBody>
+          <a:bodyPr/>
+          <a:lstStyle/>
+          <a:p>
+            <a:fld id="{2F25F732-90D6-41E9-BF2F-F9F81F38F3B3}" type="slidenum">
+              <a:rPr lang="zh-CN" altLang="en-US" smtClean="0"/>
+              <a:t>15</a:t>
+            </a:fld>
+            <a:endParaRPr lang="zh-CN" altLang="en-US"/>
+          </a:p>
+        </p:txBody>
+      </p:sp>
+    </p:spTree>
+    <p:extLst>
+      <p:ext uri="{BB962C8B-B14F-4D97-AF65-F5344CB8AC3E}">
+        <p14:creationId xmlns:p14="http://schemas.microsoft.com/office/powerpoint/2010/main" val="3454113769"/>
+      </p:ext>
+    </p:extLst>
+  </p:cSld>
+  <p:clrMapOvr>
+    <a:masterClrMapping/>
+  </p:clrMapOvr>
+</p:notes>
+</file>
+
+<file path=ppt/notesSlides/notesSlide16.xml><?xml version="1.0" encoding="utf-8"?>
+<p:notes xmlns:a="http://schemas.openxmlformats.org/drawingml/2006/main" xmlns:r="http://schemas.openxmlformats.org/officeDocument/2006/relationships" xmlns:p="http://schemas.openxmlformats.org/presentationml/2006/main">
+  <p:cSld>
+    <p:spTree>
+      <p:nvGrpSpPr>
+        <p:cNvPr id="1" name=""/>
+        <p:cNvGrpSpPr/>
+        <p:nvPr/>
+      </p:nvGrpSpPr>
+      <p:grpSpPr>
+        <a:xfrm>
+          <a:off x="0" y="0"/>
+          <a:ext cx="0" cy="0"/>
+          <a:chOff x="0" y="0"/>
+          <a:chExt cx="0" cy="0"/>
+        </a:xfrm>
+      </p:grpSpPr>
+      <p:sp>
+        <p:nvSpPr>
+          <p:cNvPr id="2" name="幻灯片图像占位符 1"/>
+          <p:cNvSpPr>
+            <a:spLocks noGrp="1" noRot="1" noChangeAspect="1"/>
+          </p:cNvSpPr>
+          <p:nvPr>
+            <p:ph type="sldImg"/>
+          </p:nvPr>
+        </p:nvSpPr>
+        <p:spPr/>
+      </p:sp>
+      <p:sp>
+        <p:nvSpPr>
+          <p:cNvPr id="3" name="备注占位符 2"/>
+          <p:cNvSpPr>
+            <a:spLocks noGrp="1"/>
+          </p:cNvSpPr>
+          <p:nvPr>
+            <p:ph type="body" idx="1"/>
+          </p:nvPr>
+        </p:nvSpPr>
+        <p:spPr/>
+        <p:txBody>
+          <a:bodyPr/>
+          <a:lstStyle/>
+          <a:p>
+            <a:r>
+              <a:rPr lang="zh-CN" altLang="en-US" dirty="0" smtClean="0"/>
+              <a:t>这里是一些测试</a:t>
+            </a:r>
+            <a:endParaRPr lang="zh-CN" altLang="en-US" dirty="0"/>
+          </a:p>
+        </p:txBody>
+      </p:sp>
+      <p:sp>
+        <p:nvSpPr>
+          <p:cNvPr id="4" name="灯片编号占位符 3"/>
+          <p:cNvSpPr>
+            <a:spLocks noGrp="1"/>
+          </p:cNvSpPr>
+          <p:nvPr>
+            <p:ph type="sldNum" sz="quarter" idx="10"/>
+          </p:nvPr>
+        </p:nvSpPr>
+        <p:spPr/>
+        <p:txBody>
+          <a:bodyPr/>
+          <a:lstStyle/>
+          <a:p>
+            <a:fld id="{2F25F732-90D6-41E9-BF2F-F9F81F38F3B3}" type="slidenum">
+              <a:rPr lang="zh-CN" altLang="en-US" smtClean="0"/>
+              <a:t>16</a:t>
+            </a:fld>
+            <a:endParaRPr lang="zh-CN" altLang="en-US"/>
+          </a:p>
+        </p:txBody>
+      </p:sp>
+    </p:spTree>
+    <p:extLst>
+      <p:ext uri="{BB962C8B-B14F-4D97-AF65-F5344CB8AC3E}">
+        <p14:creationId xmlns:p14="http://schemas.microsoft.com/office/powerpoint/2010/main" val="1563858747"/>
+      </p:ext>
+    </p:extLst>
+  </p:cSld>
+  <p:clrMapOvr>
+    <a:masterClrMapping/>
+  </p:clrMapOvr>
+</p:notes>
+</file>
+
+<file path=ppt/notesSlides/notesSlide17.xml><?xml version="1.0" encoding="utf-8"?>
+<p:notes xmlns:a="http://schemas.openxmlformats.org/drawingml/2006/main" xmlns:r="http://schemas.openxmlformats.org/officeDocument/2006/relationships" xmlns:p="http://schemas.openxmlformats.org/presentationml/2006/main">
+  <p:cSld>
+    <p:spTree>
+      <p:nvGrpSpPr>
+        <p:cNvPr id="1" name=""/>
+        <p:cNvGrpSpPr/>
+        <p:nvPr/>
+      </p:nvGrpSpPr>
+      <p:grpSpPr>
+        <a:xfrm>
+          <a:off x="0" y="0"/>
+          <a:ext cx="0" cy="0"/>
+          <a:chOff x="0" y="0"/>
+          <a:chExt cx="0" cy="0"/>
+        </a:xfrm>
+      </p:grpSpPr>
+      <p:sp>
+        <p:nvSpPr>
+          <p:cNvPr id="2" name="幻灯片图像占位符 1"/>
+          <p:cNvSpPr>
+            <a:spLocks noGrp="1" noRot="1" noChangeAspect="1"/>
+          </p:cNvSpPr>
+          <p:nvPr>
+            <p:ph type="sldImg"/>
+          </p:nvPr>
+        </p:nvSpPr>
+        <p:spPr/>
+      </p:sp>
+      <p:sp>
+        <p:nvSpPr>
+          <p:cNvPr id="3" name="备注占位符 2"/>
+          <p:cNvSpPr>
+            <a:spLocks noGrp="1"/>
+          </p:cNvSpPr>
+          <p:nvPr>
+            <p:ph type="body" idx="1"/>
+          </p:nvPr>
+        </p:nvSpPr>
+        <p:spPr/>
+        <p:txBody>
+          <a:bodyPr/>
+          <a:lstStyle/>
+          <a:p>
+            <a:r>
+              <a:rPr lang="zh-CN" altLang="en-US" dirty="0" smtClean="0"/>
+              <a:t>简单封闭规则挖掘，简单规则是指不包含</a:t>
+            </a:r>
+            <a:r>
+              <a:rPr lang="en-US" altLang="zh-CN" dirty="0" smtClean="0"/>
+              <a:t>Instantiated Atom</a:t>
+            </a:r>
+            <a:r>
+              <a:rPr lang="zh-CN" altLang="en-US" dirty="0" smtClean="0"/>
+              <a:t>的规则</a:t>
+            </a:r>
+            <a:endParaRPr lang="en-US" altLang="zh-CN" dirty="0" smtClean="0"/>
+          </a:p>
+          <a:p>
+            <a:r>
+              <a:rPr lang="en-US" altLang="zh-CN" dirty="0" smtClean="0"/>
+              <a:t>4</a:t>
+            </a:r>
+            <a:r>
+              <a:rPr lang="zh-CN" altLang="en-US" dirty="0" smtClean="0"/>
+              <a:t>线程挖掘</a:t>
+            </a:r>
+            <a:endParaRPr lang="zh-CN" altLang="en-US" dirty="0"/>
+          </a:p>
+        </p:txBody>
+      </p:sp>
+      <p:sp>
+        <p:nvSpPr>
+          <p:cNvPr id="4" name="灯片编号占位符 3"/>
+          <p:cNvSpPr>
+            <a:spLocks noGrp="1"/>
+          </p:cNvSpPr>
+          <p:nvPr>
+            <p:ph type="sldNum" sz="quarter" idx="10"/>
+          </p:nvPr>
+        </p:nvSpPr>
+        <p:spPr/>
+        <p:txBody>
+          <a:bodyPr/>
+          <a:lstStyle/>
+          <a:p>
+            <a:fld id="{2F25F732-90D6-41E9-BF2F-F9F81F38F3B3}" type="slidenum">
+              <a:rPr lang="zh-CN" altLang="en-US" smtClean="0"/>
+              <a:t>17</a:t>
+            </a:fld>
+            <a:endParaRPr lang="zh-CN" altLang="en-US"/>
+          </a:p>
+        </p:txBody>
+      </p:sp>
+    </p:spTree>
+    <p:extLst>
+      <p:ext uri="{BB962C8B-B14F-4D97-AF65-F5344CB8AC3E}">
+        <p14:creationId xmlns:p14="http://schemas.microsoft.com/office/powerpoint/2010/main" val="884574388"/>
+      </p:ext>
+    </p:extLst>
+  </p:cSld>
+  <p:clrMapOvr>
+    <a:masterClrMapping/>
+  </p:clrMapOvr>
+</p:notes>
+</file>
+
+<file path=ppt/notesSlides/notesSlide18.xml><?xml version="1.0" encoding="utf-8"?>
+<p:notes xmlns:a="http://schemas.openxmlformats.org/drawingml/2006/main" xmlns:r="http://schemas.openxmlformats.org/officeDocument/2006/relationships" xmlns:p="http://schemas.openxmlformats.org/presentationml/2006/main">
+  <p:cSld>
+    <p:spTree>
+      <p:nvGrpSpPr>
+        <p:cNvPr id="1" name=""/>
+        <p:cNvGrpSpPr/>
+        <p:nvPr/>
+      </p:nvGrpSpPr>
+      <p:grpSpPr>
+        <a:xfrm>
+          <a:off x="0" y="0"/>
+          <a:ext cx="0" cy="0"/>
+          <a:chOff x="0" y="0"/>
+          <a:chExt cx="0" cy="0"/>
+        </a:xfrm>
+      </p:grpSpPr>
+      <p:sp>
+        <p:nvSpPr>
+          <p:cNvPr id="2" name="幻灯片图像占位符 1"/>
+          <p:cNvSpPr>
+            <a:spLocks noGrp="1" noRot="1" noChangeAspect="1"/>
+          </p:cNvSpPr>
+          <p:nvPr>
+            <p:ph type="sldImg"/>
+          </p:nvPr>
+        </p:nvSpPr>
+        <p:spPr/>
+      </p:sp>
+      <p:sp>
+        <p:nvSpPr>
+          <p:cNvPr id="3" name="备注占位符 2"/>
+          <p:cNvSpPr>
+            <a:spLocks noGrp="1"/>
+          </p:cNvSpPr>
+          <p:nvPr>
+            <p:ph type="body" idx="1"/>
+          </p:nvPr>
+        </p:nvSpPr>
+        <p:spPr/>
+        <p:txBody>
+          <a:bodyPr/>
+          <a:lstStyle/>
+          <a:p>
+            <a:r>
+              <a:rPr lang="zh-CN" altLang="en-US" dirty="0" smtClean="0"/>
+              <a:t>看一下折线图</a:t>
+            </a:r>
+            <a:endParaRPr lang="en-US" altLang="zh-CN" dirty="0" smtClean="0"/>
+          </a:p>
+          <a:p>
+            <a:r>
+              <a:rPr lang="zh-CN" altLang="en-US" dirty="0" smtClean="0"/>
+              <a:t>可以看到，对于同一个知识库，规则长度越长，需要的时间也越长，基本上是指数增长。</a:t>
+            </a:r>
+            <a:endParaRPr lang="en-US" altLang="zh-CN" dirty="0" smtClean="0"/>
+          </a:p>
+          <a:p>
+            <a:r>
+              <a:rPr lang="zh-CN" altLang="en-US" dirty="0" smtClean="0"/>
+              <a:t>所以规则挖掘的时候要控制一下规则长度。</a:t>
+            </a:r>
+            <a:endParaRPr lang="zh-CN" altLang="en-US" dirty="0"/>
+          </a:p>
+        </p:txBody>
+      </p:sp>
+      <p:sp>
+        <p:nvSpPr>
+          <p:cNvPr id="4" name="灯片编号占位符 3"/>
+          <p:cNvSpPr>
+            <a:spLocks noGrp="1"/>
+          </p:cNvSpPr>
+          <p:nvPr>
+            <p:ph type="sldNum" sz="quarter" idx="10"/>
+          </p:nvPr>
+        </p:nvSpPr>
+        <p:spPr/>
+        <p:txBody>
+          <a:bodyPr/>
+          <a:lstStyle/>
+          <a:p>
+            <a:fld id="{2F25F732-90D6-41E9-BF2F-F9F81F38F3B3}" type="slidenum">
+              <a:rPr lang="zh-CN" altLang="en-US" smtClean="0"/>
+              <a:t>18</a:t>
+            </a:fld>
+            <a:endParaRPr lang="zh-CN" altLang="en-US"/>
+          </a:p>
+        </p:txBody>
+      </p:sp>
+    </p:spTree>
+    <p:extLst>
+      <p:ext uri="{BB962C8B-B14F-4D97-AF65-F5344CB8AC3E}">
+        <p14:creationId xmlns:p14="http://schemas.microsoft.com/office/powerpoint/2010/main" val="1908433636"/>
+      </p:ext>
+    </p:extLst>
+  </p:cSld>
+  <p:clrMapOvr>
+    <a:masterClrMapping/>
+  </p:clrMapOvr>
+</p:notes>
+</file>
+
+<file path=ppt/notesSlides/notesSlide19.xml><?xml version="1.0" encoding="utf-8"?>
+<p:notes xmlns:a="http://schemas.openxmlformats.org/drawingml/2006/main" xmlns:r="http://schemas.openxmlformats.org/officeDocument/2006/relationships" xmlns:p="http://schemas.openxmlformats.org/presentationml/2006/main">
+  <p:cSld>
+    <p:spTree>
+      <p:nvGrpSpPr>
+        <p:cNvPr id="1" name=""/>
+        <p:cNvGrpSpPr/>
+        <p:nvPr/>
+      </p:nvGrpSpPr>
+      <p:grpSpPr>
+        <a:xfrm>
+          <a:off x="0" y="0"/>
+          <a:ext cx="0" cy="0"/>
+          <a:chOff x="0" y="0"/>
+          <a:chExt cx="0" cy="0"/>
+        </a:xfrm>
+      </p:grpSpPr>
+      <p:sp>
+        <p:nvSpPr>
+          <p:cNvPr id="2" name="幻灯片图像占位符 1"/>
+          <p:cNvSpPr>
+            <a:spLocks noGrp="1" noRot="1" noChangeAspect="1"/>
+          </p:cNvSpPr>
+          <p:nvPr>
+            <p:ph type="sldImg"/>
+          </p:nvPr>
+        </p:nvSpPr>
+        <p:spPr/>
+      </p:sp>
+      <p:sp>
+        <p:nvSpPr>
+          <p:cNvPr id="3" name="备注占位符 2"/>
+          <p:cNvSpPr>
+            <a:spLocks noGrp="1"/>
+          </p:cNvSpPr>
+          <p:nvPr>
+            <p:ph type="body" idx="1"/>
+          </p:nvPr>
+        </p:nvSpPr>
+        <p:spPr/>
+        <p:txBody>
+          <a:bodyPr/>
+          <a:lstStyle/>
+          <a:p>
+            <a:pPr marL="0" marR="0" indent="0" algn="l" defTabSz="914400" rtl="0" eaLnBrk="1" fontAlgn="auto" latinLnBrk="0" hangingPunct="1">
+              <a:lnSpc>
+                <a:spcPct val="100000"/>
+              </a:lnSpc>
+              <a:spcBef>
+                <a:spcPts val="0"/>
+              </a:spcBef>
+              <a:spcAft>
+                <a:spcPts val="0"/>
+              </a:spcAft>
+              <a:buClrTx/>
+              <a:buSzTx/>
+              <a:buFontTx/>
+              <a:buNone/>
+              <a:tabLst/>
+              <a:defRPr/>
+            </a:pPr>
+            <a:r>
+              <a:rPr lang="zh-CN" altLang="en-US" dirty="0" smtClean="0"/>
+              <a:t>这是</a:t>
+            </a:r>
+            <a:r>
+              <a:rPr lang="zh-CN" altLang="en-US" sz="1200" dirty="0" smtClean="0"/>
+              <a:t>包含了</a:t>
+            </a:r>
+            <a:r>
+              <a:rPr lang="en-US" altLang="zh-CN" sz="1200" dirty="0" smtClean="0"/>
+              <a:t>Instantiated Atom</a:t>
+            </a:r>
+            <a:r>
+              <a:rPr lang="zh-CN" altLang="en-US" sz="1200" dirty="0" smtClean="0"/>
+              <a:t>的封闭规则挖掘</a:t>
+            </a:r>
+            <a:endParaRPr lang="en-US" altLang="zh-CN" sz="1200" dirty="0" smtClean="0"/>
+          </a:p>
+          <a:p>
+            <a:endParaRPr lang="zh-CN" altLang="en-US" dirty="0"/>
+          </a:p>
+        </p:txBody>
+      </p:sp>
+      <p:sp>
+        <p:nvSpPr>
+          <p:cNvPr id="4" name="灯片编号占位符 3"/>
+          <p:cNvSpPr>
+            <a:spLocks noGrp="1"/>
+          </p:cNvSpPr>
+          <p:nvPr>
+            <p:ph type="sldNum" sz="quarter" idx="10"/>
+          </p:nvPr>
+        </p:nvSpPr>
+        <p:spPr/>
+        <p:txBody>
+          <a:bodyPr/>
+          <a:lstStyle/>
+          <a:p>
+            <a:fld id="{2F25F732-90D6-41E9-BF2F-F9F81F38F3B3}" type="slidenum">
+              <a:rPr lang="zh-CN" altLang="en-US" smtClean="0"/>
+              <a:t>19</a:t>
+            </a:fld>
+            <a:endParaRPr lang="zh-CN" altLang="en-US"/>
+          </a:p>
+        </p:txBody>
+      </p:sp>
+    </p:spTree>
+    <p:extLst>
+      <p:ext uri="{BB962C8B-B14F-4D97-AF65-F5344CB8AC3E}">
+        <p14:creationId xmlns:p14="http://schemas.microsoft.com/office/powerpoint/2010/main" val="1180581612"/>
+      </p:ext>
+    </p:extLst>
+  </p:cSld>
+  <p:clrMapOvr>
+    <a:masterClrMapping/>
+  </p:clrMapOvr>
+</p:notes>
+</file>
+
+<file path=ppt/notesSlides/notesSlide2.xml><?xml version="1.0" encoding="utf-8"?>
+<p:notes xmlns:a="http://schemas.openxmlformats.org/drawingml/2006/main" xmlns:r="http://schemas.openxmlformats.org/officeDocument/2006/relationships" xmlns:p="http://schemas.openxmlformats.org/presentationml/2006/main">
+  <p:cSld>
+    <p:spTree>
+      <p:nvGrpSpPr>
+        <p:cNvPr id="1" name=""/>
+        <p:cNvGrpSpPr/>
+        <p:nvPr/>
+      </p:nvGrpSpPr>
+      <p:grpSpPr>
+        <a:xfrm>
+          <a:off x="0" y="0"/>
+          <a:ext cx="0" cy="0"/>
+          <a:chOff x="0" y="0"/>
+          <a:chExt cx="0" cy="0"/>
+        </a:xfrm>
+      </p:grpSpPr>
+      <p:sp>
+        <p:nvSpPr>
+          <p:cNvPr id="2" name="幻灯片图像占位符 1"/>
+          <p:cNvSpPr>
+            <a:spLocks noGrp="1" noRot="1" noChangeAspect="1"/>
+          </p:cNvSpPr>
+          <p:nvPr>
+            <p:ph type="sldImg"/>
+          </p:nvPr>
+        </p:nvSpPr>
+        <p:spPr/>
+      </p:sp>
+      <p:sp>
+        <p:nvSpPr>
+          <p:cNvPr id="3" name="备注占位符 2"/>
+          <p:cNvSpPr>
+            <a:spLocks noGrp="1"/>
+          </p:cNvSpPr>
+          <p:nvPr>
+            <p:ph type="body" idx="1"/>
+          </p:nvPr>
+        </p:nvSpPr>
+        <p:spPr/>
+        <p:txBody>
+          <a:bodyPr/>
+          <a:lstStyle/>
+          <a:p>
+            <a:r>
+              <a:rPr lang="zh-CN" altLang="en-US" dirty="0" smtClean="0"/>
+              <a:t>下面就这几个方面</a:t>
+            </a:r>
+            <a:endParaRPr lang="en-US" altLang="zh-CN" dirty="0" smtClean="0"/>
+          </a:p>
+          <a:p>
+            <a:r>
+              <a:rPr lang="zh-CN" altLang="en-US" dirty="0" smtClean="0"/>
+              <a:t>。。。</a:t>
+            </a:r>
+            <a:endParaRPr lang="en-US" altLang="zh-CN" dirty="0" smtClean="0"/>
+          </a:p>
+          <a:p>
+            <a:r>
+              <a:rPr lang="zh-CN" altLang="en-US" dirty="0" smtClean="0"/>
+              <a:t>。。。</a:t>
+            </a:r>
+            <a:endParaRPr lang="en-US" altLang="zh-CN" dirty="0" smtClean="0"/>
+          </a:p>
+          <a:p>
+            <a:r>
+              <a:rPr lang="zh-CN" altLang="en-US" dirty="0" smtClean="0"/>
+              <a:t>。。。</a:t>
+            </a:r>
+            <a:endParaRPr lang="en-US" altLang="zh-CN" dirty="0" smtClean="0"/>
+          </a:p>
+          <a:p>
+            <a:r>
+              <a:rPr lang="zh-CN" altLang="en-US" dirty="0" smtClean="0"/>
+              <a:t>。。。</a:t>
+            </a:r>
+            <a:endParaRPr lang="en-US" altLang="zh-CN" dirty="0" smtClean="0"/>
+          </a:p>
+          <a:p>
+            <a:r>
+              <a:rPr lang="zh-CN" altLang="en-US" dirty="0" smtClean="0"/>
+              <a:t>来讲一下</a:t>
+            </a:r>
+            <a:endParaRPr lang="en-US" altLang="zh-CN" dirty="0" smtClean="0"/>
+          </a:p>
+          <a:p>
+            <a:endParaRPr lang="zh-CN" altLang="en-US" dirty="0"/>
+          </a:p>
+        </p:txBody>
+      </p:sp>
+      <p:sp>
+        <p:nvSpPr>
+          <p:cNvPr id="4" name="灯片编号占位符 3"/>
+          <p:cNvSpPr>
+            <a:spLocks noGrp="1"/>
+          </p:cNvSpPr>
+          <p:nvPr>
+            <p:ph type="sldNum" sz="quarter" idx="10"/>
+          </p:nvPr>
+        </p:nvSpPr>
+        <p:spPr/>
+        <p:txBody>
+          <a:bodyPr/>
+          <a:lstStyle/>
+          <a:p>
+            <a:fld id="{2F25F732-90D6-41E9-BF2F-F9F81F38F3B3}" type="slidenum">
+              <a:rPr lang="zh-CN" altLang="en-US" smtClean="0"/>
+              <a:t>2</a:t>
+            </a:fld>
+            <a:endParaRPr lang="zh-CN" altLang="en-US"/>
+          </a:p>
+        </p:txBody>
+      </p:sp>
+    </p:spTree>
+    <p:extLst>
+      <p:ext uri="{BB962C8B-B14F-4D97-AF65-F5344CB8AC3E}">
+        <p14:creationId xmlns:p14="http://schemas.microsoft.com/office/powerpoint/2010/main" val="264667278"/>
+      </p:ext>
+    </p:extLst>
+  </p:cSld>
+  <p:clrMapOvr>
+    <a:masterClrMapping/>
+  </p:clrMapOvr>
+</p:notes>
+</file>
+
+<file path=ppt/notesSlides/notesSlide20.xml><?xml version="1.0" encoding="utf-8"?>
+<p:notes xmlns:a="http://schemas.openxmlformats.org/drawingml/2006/main" xmlns:r="http://schemas.openxmlformats.org/officeDocument/2006/relationships" xmlns:p="http://schemas.openxmlformats.org/presentationml/2006/main">
+  <p:cSld>
+    <p:spTree>
+      <p:nvGrpSpPr>
+        <p:cNvPr id="1" name=""/>
+        <p:cNvGrpSpPr/>
+        <p:nvPr/>
+      </p:nvGrpSpPr>
+      <p:grpSpPr>
+        <a:xfrm>
+          <a:off x="0" y="0"/>
+          <a:ext cx="0" cy="0"/>
+          <a:chOff x="0" y="0"/>
+          <a:chExt cx="0" cy="0"/>
+        </a:xfrm>
+      </p:grpSpPr>
+      <p:sp>
+        <p:nvSpPr>
+          <p:cNvPr id="2" name="幻灯片图像占位符 1"/>
+          <p:cNvSpPr>
+            <a:spLocks noGrp="1" noRot="1" noChangeAspect="1"/>
+          </p:cNvSpPr>
+          <p:nvPr>
+            <p:ph type="sldImg"/>
+          </p:nvPr>
+        </p:nvSpPr>
+        <p:spPr/>
+      </p:sp>
+      <p:sp>
+        <p:nvSpPr>
+          <p:cNvPr id="3" name="备注占位符 2"/>
+          <p:cNvSpPr>
+            <a:spLocks noGrp="1"/>
+          </p:cNvSpPr>
+          <p:nvPr>
+            <p:ph type="body" idx="1"/>
+          </p:nvPr>
+        </p:nvSpPr>
+        <p:spPr/>
+        <p:txBody>
+          <a:bodyPr/>
+          <a:lstStyle/>
+          <a:p>
+            <a:r>
+              <a:rPr lang="zh-CN" altLang="en-US" dirty="0" smtClean="0"/>
+              <a:t>继续看折线图</a:t>
+            </a:r>
+            <a:endParaRPr lang="en-US" altLang="zh-CN" dirty="0" smtClean="0"/>
+          </a:p>
+          <a:p>
+            <a:r>
+              <a:rPr lang="zh-CN" altLang="en-US" dirty="0" smtClean="0"/>
+              <a:t>可以看到</a:t>
+            </a:r>
+            <a:r>
+              <a:rPr lang="en-US" altLang="zh-CN" dirty="0" smtClean="0"/>
+              <a:t>Instantiated Atom</a:t>
+            </a:r>
+            <a:r>
+              <a:rPr lang="zh-CN" altLang="en-US" dirty="0" smtClean="0"/>
+              <a:t>的数量，挖掘时间都占据的规则总量的绝大部分。</a:t>
+            </a:r>
+            <a:endParaRPr lang="en-US" altLang="zh-CN" dirty="0" smtClean="0"/>
+          </a:p>
+          <a:p>
+            <a:r>
+              <a:rPr lang="zh-CN" altLang="en-US" dirty="0" smtClean="0"/>
+              <a:t>所以对</a:t>
+            </a:r>
+            <a:r>
+              <a:rPr lang="en-US" altLang="zh-CN" dirty="0" smtClean="0"/>
+              <a:t>Instantiated Atom</a:t>
+            </a:r>
+            <a:r>
+              <a:rPr lang="zh-CN" altLang="en-US" dirty="0" smtClean="0"/>
+              <a:t>进行一些限制也是比较重要的。这里我们在运行参数里面就可以设置</a:t>
+            </a:r>
+            <a:endParaRPr lang="zh-CN" altLang="en-US" dirty="0"/>
+          </a:p>
+        </p:txBody>
+      </p:sp>
+      <p:sp>
+        <p:nvSpPr>
+          <p:cNvPr id="4" name="灯片编号占位符 3"/>
+          <p:cNvSpPr>
+            <a:spLocks noGrp="1"/>
+          </p:cNvSpPr>
+          <p:nvPr>
+            <p:ph type="sldNum" sz="quarter" idx="10"/>
+          </p:nvPr>
+        </p:nvSpPr>
+        <p:spPr/>
+        <p:txBody>
+          <a:bodyPr/>
+          <a:lstStyle/>
+          <a:p>
+            <a:fld id="{2F25F732-90D6-41E9-BF2F-F9F81F38F3B3}" type="slidenum">
+              <a:rPr lang="zh-CN" altLang="en-US" smtClean="0"/>
+              <a:t>20</a:t>
+            </a:fld>
+            <a:endParaRPr lang="zh-CN" altLang="en-US"/>
+          </a:p>
+        </p:txBody>
+      </p:sp>
+    </p:spTree>
+    <p:extLst>
+      <p:ext uri="{BB962C8B-B14F-4D97-AF65-F5344CB8AC3E}">
+        <p14:creationId xmlns:p14="http://schemas.microsoft.com/office/powerpoint/2010/main" val="2252183677"/>
+      </p:ext>
+    </p:extLst>
+  </p:cSld>
+  <p:clrMapOvr>
+    <a:masterClrMapping/>
+  </p:clrMapOvr>
+</p:notes>
+</file>
+
+<file path=ppt/notesSlides/notesSlide21.xml><?xml version="1.0" encoding="utf-8"?>
+<p:notes xmlns:a="http://schemas.openxmlformats.org/drawingml/2006/main" xmlns:r="http://schemas.openxmlformats.org/officeDocument/2006/relationships" xmlns:p="http://schemas.openxmlformats.org/presentationml/2006/main">
+  <p:cSld>
+    <p:spTree>
+      <p:nvGrpSpPr>
+        <p:cNvPr id="1" name=""/>
+        <p:cNvGrpSpPr/>
+        <p:nvPr/>
+      </p:nvGrpSpPr>
+      <p:grpSpPr>
+        <a:xfrm>
+          <a:off x="0" y="0"/>
+          <a:ext cx="0" cy="0"/>
+          <a:chOff x="0" y="0"/>
+          <a:chExt cx="0" cy="0"/>
+        </a:xfrm>
+      </p:grpSpPr>
+      <p:sp>
+        <p:nvSpPr>
+          <p:cNvPr id="2" name="幻灯片图像占位符 1"/>
+          <p:cNvSpPr>
+            <a:spLocks noGrp="1" noRot="1" noChangeAspect="1"/>
+          </p:cNvSpPr>
+          <p:nvPr>
+            <p:ph type="sldImg"/>
+          </p:nvPr>
+        </p:nvSpPr>
+        <p:spPr/>
+      </p:sp>
+      <p:sp>
+        <p:nvSpPr>
+          <p:cNvPr id="3" name="备注占位符 2"/>
+          <p:cNvSpPr>
+            <a:spLocks noGrp="1"/>
+          </p:cNvSpPr>
+          <p:nvPr>
+            <p:ph type="body" idx="1"/>
+          </p:nvPr>
+        </p:nvSpPr>
+        <p:spPr/>
+        <p:txBody>
+          <a:bodyPr/>
+          <a:lstStyle/>
+          <a:p>
+            <a:r>
+              <a:rPr lang="zh-CN" altLang="en-US" dirty="0" smtClean="0"/>
+              <a:t>这是非封闭规则的挖掘结果</a:t>
+            </a:r>
+            <a:endParaRPr lang="zh-CN" altLang="en-US" dirty="0"/>
+          </a:p>
+        </p:txBody>
+      </p:sp>
+      <p:sp>
+        <p:nvSpPr>
+          <p:cNvPr id="4" name="灯片编号占位符 3"/>
+          <p:cNvSpPr>
+            <a:spLocks noGrp="1"/>
+          </p:cNvSpPr>
+          <p:nvPr>
+            <p:ph type="sldNum" sz="quarter" idx="10"/>
+          </p:nvPr>
+        </p:nvSpPr>
+        <p:spPr/>
+        <p:txBody>
+          <a:bodyPr/>
+          <a:lstStyle/>
+          <a:p>
+            <a:fld id="{2F25F732-90D6-41E9-BF2F-F9F81F38F3B3}" type="slidenum">
+              <a:rPr lang="zh-CN" altLang="en-US" smtClean="0"/>
+              <a:t>21</a:t>
+            </a:fld>
+            <a:endParaRPr lang="zh-CN" altLang="en-US"/>
+          </a:p>
+        </p:txBody>
+      </p:sp>
+    </p:spTree>
+    <p:extLst>
+      <p:ext uri="{BB962C8B-B14F-4D97-AF65-F5344CB8AC3E}">
+        <p14:creationId xmlns:p14="http://schemas.microsoft.com/office/powerpoint/2010/main" val="1114790004"/>
+      </p:ext>
+    </p:extLst>
+  </p:cSld>
+  <p:clrMapOvr>
+    <a:masterClrMapping/>
+  </p:clrMapOvr>
+</p:notes>
+</file>
+
+<file path=ppt/notesSlides/notesSlide22.xml><?xml version="1.0" encoding="utf-8"?>
+<p:notes xmlns:a="http://schemas.openxmlformats.org/drawingml/2006/main" xmlns:r="http://schemas.openxmlformats.org/officeDocument/2006/relationships" xmlns:p="http://schemas.openxmlformats.org/presentationml/2006/main">
+  <p:cSld>
+    <p:spTree>
+      <p:nvGrpSpPr>
+        <p:cNvPr id="1" name=""/>
+        <p:cNvGrpSpPr/>
+        <p:nvPr/>
+      </p:nvGrpSpPr>
+      <p:grpSpPr>
+        <a:xfrm>
+          <a:off x="0" y="0"/>
+          <a:ext cx="0" cy="0"/>
+          <a:chOff x="0" y="0"/>
+          <a:chExt cx="0" cy="0"/>
+        </a:xfrm>
+      </p:grpSpPr>
+      <p:sp>
+        <p:nvSpPr>
+          <p:cNvPr id="2" name="幻灯片图像占位符 1"/>
+          <p:cNvSpPr>
+            <a:spLocks noGrp="1" noRot="1" noChangeAspect="1"/>
+          </p:cNvSpPr>
+          <p:nvPr>
+            <p:ph type="sldImg"/>
+          </p:nvPr>
+        </p:nvSpPr>
+        <p:spPr/>
+      </p:sp>
+      <p:sp>
+        <p:nvSpPr>
+          <p:cNvPr id="3" name="备注占位符 2"/>
+          <p:cNvSpPr>
+            <a:spLocks noGrp="1"/>
+          </p:cNvSpPr>
+          <p:nvPr>
+            <p:ph type="body" idx="1"/>
+          </p:nvPr>
+        </p:nvSpPr>
+        <p:spPr/>
+        <p:txBody>
+          <a:bodyPr/>
+          <a:lstStyle/>
+          <a:p>
+            <a:r>
+              <a:rPr lang="zh-CN" altLang="en-US" dirty="0" smtClean="0"/>
+              <a:t>通过对比可以看到，非封闭规则挖掘的时间并不会占用太多挖掘时间</a:t>
+            </a:r>
+            <a:endParaRPr lang="en-US" altLang="zh-CN" dirty="0" smtClean="0"/>
+          </a:p>
+          <a:p>
+            <a:r>
+              <a:rPr lang="zh-CN" altLang="en-US" dirty="0" smtClean="0"/>
+              <a:t>非封闭规则就是这一小部分，所以效率也比较高</a:t>
+            </a:r>
+            <a:endParaRPr lang="en-US" altLang="zh-CN" dirty="0" smtClean="0"/>
+          </a:p>
+          <a:p>
+            <a:r>
+              <a:rPr lang="zh-CN" altLang="en-US" dirty="0" smtClean="0"/>
+              <a:t>恩。。。差不多就是这些</a:t>
+            </a:r>
+            <a:endParaRPr lang="en-US" altLang="zh-CN" dirty="0" smtClean="0"/>
+          </a:p>
+          <a:p>
+            <a:r>
+              <a:rPr lang="zh-CN" altLang="en-US" dirty="0" smtClean="0"/>
+              <a:t>谢谢各位老师</a:t>
+            </a:r>
+            <a:endParaRPr lang="zh-CN" altLang="en-US" dirty="0"/>
+          </a:p>
+        </p:txBody>
+      </p:sp>
+      <p:sp>
+        <p:nvSpPr>
+          <p:cNvPr id="4" name="灯片编号占位符 3"/>
+          <p:cNvSpPr>
+            <a:spLocks noGrp="1"/>
+          </p:cNvSpPr>
+          <p:nvPr>
+            <p:ph type="sldNum" sz="quarter" idx="10"/>
+          </p:nvPr>
+        </p:nvSpPr>
+        <p:spPr/>
+        <p:txBody>
+          <a:bodyPr/>
+          <a:lstStyle/>
+          <a:p>
+            <a:fld id="{2F25F732-90D6-41E9-BF2F-F9F81F38F3B3}" type="slidenum">
+              <a:rPr lang="zh-CN" altLang="en-US" smtClean="0"/>
+              <a:t>22</a:t>
+            </a:fld>
+            <a:endParaRPr lang="zh-CN" altLang="en-US"/>
+          </a:p>
+        </p:txBody>
+      </p:sp>
+    </p:spTree>
+    <p:extLst>
+      <p:ext uri="{BB962C8B-B14F-4D97-AF65-F5344CB8AC3E}">
+        <p14:creationId xmlns:p14="http://schemas.microsoft.com/office/powerpoint/2010/main" val="1679429248"/>
+      </p:ext>
+    </p:extLst>
+  </p:cSld>
+  <p:clrMapOvr>
+    <a:masterClrMapping/>
+  </p:clrMapOvr>
+</p:notes>
+</file>
+
+<file path=ppt/notesSlides/notesSlide3.xml><?xml version="1.0" encoding="utf-8"?>
+<p:notes xmlns:a="http://schemas.openxmlformats.org/drawingml/2006/main" xmlns:r="http://schemas.openxmlformats.org/officeDocument/2006/relationships" xmlns:p="http://schemas.openxmlformats.org/presentationml/2006/main">
+  <p:cSld>
+    <p:spTree>
+      <p:nvGrpSpPr>
+        <p:cNvPr id="1" name=""/>
+        <p:cNvGrpSpPr/>
+        <p:nvPr/>
+      </p:nvGrpSpPr>
+      <p:grpSpPr>
+        <a:xfrm>
+          <a:off x="0" y="0"/>
+          <a:ext cx="0" cy="0"/>
+          <a:chOff x="0" y="0"/>
+          <a:chExt cx="0" cy="0"/>
+        </a:xfrm>
+      </p:grpSpPr>
+      <p:sp>
+        <p:nvSpPr>
+          <p:cNvPr id="2" name="幻灯片图像占位符 1"/>
+          <p:cNvSpPr>
+            <a:spLocks noGrp="1" noRot="1" noChangeAspect="1"/>
+          </p:cNvSpPr>
+          <p:nvPr>
+            <p:ph type="sldImg"/>
+          </p:nvPr>
+        </p:nvSpPr>
+        <p:spPr/>
+      </p:sp>
+      <p:sp>
+        <p:nvSpPr>
+          <p:cNvPr id="3" name="备注占位符 2"/>
+          <p:cNvSpPr>
+            <a:spLocks noGrp="1"/>
+          </p:cNvSpPr>
+          <p:nvPr>
+            <p:ph type="body" idx="1"/>
+          </p:nvPr>
+        </p:nvSpPr>
+        <p:spPr/>
+        <p:txBody>
+          <a:bodyPr/>
+          <a:lstStyle/>
+          <a:p>
+            <a:r>
+              <a:rPr lang="zh-CN" altLang="en-US" dirty="0" smtClean="0"/>
+              <a:t>首先是知识库</a:t>
+            </a:r>
+            <a:endParaRPr lang="en-US" altLang="zh-CN" dirty="0" smtClean="0"/>
+          </a:p>
+          <a:p>
+            <a:r>
+              <a:rPr lang="zh-CN" altLang="en-US" dirty="0" smtClean="0"/>
+              <a:t>知识库</a:t>
+            </a:r>
+            <a:r>
+              <a:rPr lang="zh-CN" altLang="en-US" baseline="0" dirty="0" smtClean="0"/>
+              <a:t> 有向图</a:t>
+            </a:r>
+            <a:endParaRPr lang="en-US" altLang="zh-CN" baseline="0" dirty="0" smtClean="0"/>
+          </a:p>
+          <a:p>
+            <a:r>
+              <a:rPr lang="zh-CN" altLang="en-US" baseline="0" dirty="0" smtClean="0"/>
+              <a:t>结点表示 各个对象</a:t>
+            </a:r>
+            <a:endParaRPr lang="en-US" altLang="zh-CN" baseline="0" dirty="0" smtClean="0"/>
+          </a:p>
+          <a:p>
+            <a:r>
+              <a:rPr lang="zh-CN" altLang="en-US" baseline="0" dirty="0" smtClean="0"/>
+              <a:t>边表示 对象之间的关系</a:t>
+            </a:r>
+            <a:endParaRPr lang="en-US" altLang="zh-CN" baseline="0" dirty="0" smtClean="0"/>
+          </a:p>
+          <a:p>
+            <a:r>
+              <a:rPr lang="zh-CN" altLang="en-US" baseline="0" dirty="0" smtClean="0"/>
+              <a:t>这个有向图 可以表示成一系列三元组</a:t>
+            </a:r>
+            <a:endParaRPr lang="zh-CN" altLang="en-US" dirty="0"/>
+          </a:p>
+        </p:txBody>
+      </p:sp>
+      <p:sp>
+        <p:nvSpPr>
+          <p:cNvPr id="4" name="灯片编号占位符 3"/>
+          <p:cNvSpPr>
+            <a:spLocks noGrp="1"/>
+          </p:cNvSpPr>
+          <p:nvPr>
+            <p:ph type="sldNum" sz="quarter" idx="10"/>
+          </p:nvPr>
+        </p:nvSpPr>
+        <p:spPr/>
+        <p:txBody>
+          <a:bodyPr/>
+          <a:lstStyle/>
+          <a:p>
+            <a:fld id="{2F25F732-90D6-41E9-BF2F-F9F81F38F3B3}" type="slidenum">
+              <a:rPr lang="zh-CN" altLang="en-US" smtClean="0"/>
+              <a:t>3</a:t>
+            </a:fld>
+            <a:endParaRPr lang="zh-CN" altLang="en-US"/>
+          </a:p>
+        </p:txBody>
+      </p:sp>
+    </p:spTree>
+    <p:extLst>
+      <p:ext uri="{BB962C8B-B14F-4D97-AF65-F5344CB8AC3E}">
+        <p14:creationId xmlns:p14="http://schemas.microsoft.com/office/powerpoint/2010/main" val="1307235795"/>
+      </p:ext>
+    </p:extLst>
+  </p:cSld>
+  <p:clrMapOvr>
+    <a:masterClrMapping/>
+  </p:clrMapOvr>
+</p:notes>
+</file>
+
+<file path=ppt/notesSlides/notesSlide4.xml><?xml version="1.0" encoding="utf-8"?>
+<p:notes xmlns:a="http://schemas.openxmlformats.org/drawingml/2006/main" xmlns:r="http://schemas.openxmlformats.org/officeDocument/2006/relationships" xmlns:p="http://schemas.openxmlformats.org/presentationml/2006/main">
+  <p:cSld>
+    <p:spTree>
+      <p:nvGrpSpPr>
+        <p:cNvPr id="1" name=""/>
+        <p:cNvGrpSpPr/>
+        <p:nvPr/>
+      </p:nvGrpSpPr>
+      <p:grpSpPr>
+        <a:xfrm>
+          <a:off x="0" y="0"/>
+          <a:ext cx="0" cy="0"/>
+          <a:chOff x="0" y="0"/>
+          <a:chExt cx="0" cy="0"/>
+        </a:xfrm>
+      </p:grpSpPr>
+      <p:sp>
+        <p:nvSpPr>
+          <p:cNvPr id="2" name="幻灯片图像占位符 1"/>
+          <p:cNvSpPr>
+            <a:spLocks noGrp="1" noRot="1" noChangeAspect="1"/>
+          </p:cNvSpPr>
+          <p:nvPr>
+            <p:ph type="sldImg"/>
+          </p:nvPr>
+        </p:nvSpPr>
+        <p:spPr/>
+      </p:sp>
+      <p:sp>
+        <p:nvSpPr>
+          <p:cNvPr id="3" name="备注占位符 2"/>
+          <p:cNvSpPr>
+            <a:spLocks noGrp="1"/>
+          </p:cNvSpPr>
+          <p:nvPr>
+            <p:ph type="body" idx="1"/>
+          </p:nvPr>
+        </p:nvSpPr>
+        <p:spPr/>
+        <p:txBody>
+          <a:bodyPr/>
+          <a:lstStyle/>
+          <a:p>
+            <a:r>
+              <a:rPr lang="zh-CN" altLang="en-US" dirty="0" smtClean="0"/>
+              <a:t>规则的形式就是这样</a:t>
+            </a:r>
+            <a:endParaRPr lang="en-US" altLang="zh-CN" dirty="0" smtClean="0"/>
+          </a:p>
+          <a:p>
+            <a:r>
+              <a:rPr lang="zh-CN" altLang="en-US" dirty="0" smtClean="0"/>
+              <a:t>每个项目是一个</a:t>
+            </a:r>
+            <a:r>
+              <a:rPr lang="en-US" altLang="zh-CN" dirty="0" smtClean="0"/>
+              <a:t>atom</a:t>
+            </a:r>
+            <a:r>
+              <a:rPr lang="zh-CN" altLang="en-US" dirty="0" smtClean="0"/>
+              <a:t>，</a:t>
+            </a:r>
+            <a:endParaRPr lang="en-US" altLang="zh-CN" dirty="0" smtClean="0"/>
+          </a:p>
+          <a:p>
+            <a:r>
+              <a:rPr lang="zh-CN" altLang="en-US" dirty="0" smtClean="0"/>
+              <a:t>左边是</a:t>
+            </a:r>
+            <a:r>
+              <a:rPr lang="en-US" altLang="zh-CN" dirty="0" smtClean="0"/>
+              <a:t>body atom</a:t>
+            </a:r>
+            <a:r>
+              <a:rPr lang="zh-CN" altLang="en-US" dirty="0" smtClean="0"/>
+              <a:t>，</a:t>
+            </a:r>
+            <a:r>
+              <a:rPr lang="en-US" altLang="zh-CN" baseline="0" dirty="0" smtClean="0"/>
+              <a:t> </a:t>
+            </a:r>
+            <a:r>
+              <a:rPr lang="zh-CN" altLang="en-US" dirty="0" smtClean="0"/>
+              <a:t>右边是</a:t>
+            </a:r>
+            <a:r>
+              <a:rPr lang="en-US" altLang="zh-CN" dirty="0" smtClean="0"/>
+              <a:t>head atom</a:t>
+            </a:r>
+            <a:r>
+              <a:rPr lang="zh-CN" altLang="en-US" dirty="0" smtClean="0"/>
+              <a:t>，</a:t>
+            </a:r>
+            <a:r>
+              <a:rPr lang="en-US" altLang="zh-CN" baseline="0" dirty="0" smtClean="0"/>
+              <a:t> </a:t>
+            </a:r>
+            <a:r>
+              <a:rPr lang="zh-CN" altLang="en-US" dirty="0" smtClean="0"/>
+              <a:t>从左边可以推出右边</a:t>
+            </a:r>
+            <a:endParaRPr lang="en-US" altLang="zh-CN" dirty="0" smtClean="0"/>
+          </a:p>
+          <a:p>
+            <a:r>
+              <a:rPr lang="zh-CN" altLang="en-US" dirty="0" smtClean="0"/>
+              <a:t>我们可以看一下具体例子</a:t>
+            </a:r>
+            <a:endParaRPr lang="en-US" altLang="zh-CN" dirty="0" smtClean="0"/>
+          </a:p>
+          <a:p>
+            <a:pPr marL="0" marR="0" indent="0" algn="l" defTabSz="914400" rtl="0" eaLnBrk="1" fontAlgn="auto" latinLnBrk="0" hangingPunct="1">
+              <a:lnSpc>
+                <a:spcPct val="100000"/>
+              </a:lnSpc>
+              <a:spcBef>
+                <a:spcPts val="0"/>
+              </a:spcBef>
+              <a:spcAft>
+                <a:spcPts val="0"/>
+              </a:spcAft>
+              <a:buClrTx/>
+              <a:buSzTx/>
+              <a:buFontTx/>
+              <a:buNone/>
+              <a:tabLst/>
+              <a:defRPr/>
+            </a:pPr>
+            <a:r>
+              <a:rPr lang="en-US" altLang="zh-CN" sz="1200" dirty="0" smtClean="0"/>
+              <a:t>?d &lt;</a:t>
+            </a:r>
+            <a:r>
+              <a:rPr lang="en-US" altLang="zh-CN" sz="1200" dirty="0" err="1" smtClean="0"/>
+              <a:t>livesIn</a:t>
+            </a:r>
+            <a:r>
+              <a:rPr lang="en-US" altLang="zh-CN" sz="1200" dirty="0" smtClean="0"/>
+              <a:t>&gt; ?b ⋀ ?a &lt;</a:t>
+            </a:r>
+            <a:r>
+              <a:rPr lang="en-US" altLang="zh-CN" sz="1200" dirty="0" err="1" smtClean="0"/>
+              <a:t>hasChild</a:t>
+            </a:r>
+            <a:r>
+              <a:rPr lang="en-US" altLang="zh-CN" sz="1200" dirty="0" smtClean="0"/>
+              <a:t>&gt; ?d =&gt; ?a &lt;</a:t>
+            </a:r>
+            <a:r>
+              <a:rPr lang="en-US" altLang="zh-CN" sz="1200" dirty="0" err="1" smtClean="0"/>
+              <a:t>livesIn</a:t>
+            </a:r>
+            <a:r>
+              <a:rPr lang="en-US" altLang="zh-CN" sz="1200" dirty="0" smtClean="0"/>
+              <a:t>&gt; ?b</a:t>
+            </a:r>
+            <a:endParaRPr lang="en-US" altLang="zh-CN" dirty="0" smtClean="0"/>
+          </a:p>
+          <a:p>
+            <a:r>
+              <a:rPr lang="zh-CN" altLang="en-US" dirty="0" smtClean="0"/>
+              <a:t>这些用？表示的都是变量，在尖括号里面的是实例，是从知识库中取出来的。</a:t>
+            </a:r>
+            <a:endParaRPr lang="zh-CN" altLang="en-US" dirty="0"/>
+          </a:p>
+        </p:txBody>
+      </p:sp>
+      <p:sp>
+        <p:nvSpPr>
+          <p:cNvPr id="4" name="灯片编号占位符 3"/>
+          <p:cNvSpPr>
+            <a:spLocks noGrp="1"/>
+          </p:cNvSpPr>
+          <p:nvPr>
+            <p:ph type="sldNum" sz="quarter" idx="10"/>
+          </p:nvPr>
+        </p:nvSpPr>
+        <p:spPr/>
+        <p:txBody>
+          <a:bodyPr/>
+          <a:lstStyle/>
+          <a:p>
+            <a:fld id="{2F25F732-90D6-41E9-BF2F-F9F81F38F3B3}" type="slidenum">
+              <a:rPr lang="zh-CN" altLang="en-US" smtClean="0"/>
+              <a:t>4</a:t>
+            </a:fld>
+            <a:endParaRPr lang="zh-CN" altLang="en-US"/>
+          </a:p>
+        </p:txBody>
+      </p:sp>
+    </p:spTree>
+    <p:extLst>
+      <p:ext uri="{BB962C8B-B14F-4D97-AF65-F5344CB8AC3E}">
+        <p14:creationId xmlns:p14="http://schemas.microsoft.com/office/powerpoint/2010/main" val="1038476017"/>
+      </p:ext>
+    </p:extLst>
+  </p:cSld>
+  <p:clrMapOvr>
+    <a:masterClrMapping/>
+  </p:clrMapOvr>
+</p:notes>
+</file>
+
+<file path=ppt/notesSlides/notesSlide5.xml><?xml version="1.0" encoding="utf-8"?>
+<p:notes xmlns:a="http://schemas.openxmlformats.org/drawingml/2006/main" xmlns:r="http://schemas.openxmlformats.org/officeDocument/2006/relationships" xmlns:p="http://schemas.openxmlformats.org/presentationml/2006/main">
+  <p:cSld>
+    <p:spTree>
+      <p:nvGrpSpPr>
+        <p:cNvPr id="1" name=""/>
+        <p:cNvGrpSpPr/>
+        <p:nvPr/>
+      </p:nvGrpSpPr>
+      <p:grpSpPr>
+        <a:xfrm>
+          <a:off x="0" y="0"/>
+          <a:ext cx="0" cy="0"/>
+          <a:chOff x="0" y="0"/>
+          <a:chExt cx="0" cy="0"/>
+        </a:xfrm>
+      </p:grpSpPr>
+      <p:sp>
+        <p:nvSpPr>
+          <p:cNvPr id="2" name="幻灯片图像占位符 1"/>
+          <p:cNvSpPr>
+            <a:spLocks noGrp="1" noRot="1" noChangeAspect="1"/>
+          </p:cNvSpPr>
+          <p:nvPr>
+            <p:ph type="sldImg"/>
+          </p:nvPr>
+        </p:nvSpPr>
+        <p:spPr/>
+      </p:sp>
+      <p:sp>
+        <p:nvSpPr>
+          <p:cNvPr id="3" name="备注占位符 2"/>
+          <p:cNvSpPr>
+            <a:spLocks noGrp="1"/>
+          </p:cNvSpPr>
+          <p:nvPr>
+            <p:ph type="body" idx="1"/>
+          </p:nvPr>
+        </p:nvSpPr>
+        <p:spPr/>
+        <p:txBody>
+          <a:bodyPr/>
+          <a:lstStyle/>
+          <a:p>
+            <a:r>
+              <a:rPr lang="zh-CN" altLang="en-US" dirty="0" smtClean="0"/>
+              <a:t>规则可以分为封闭规则和非封闭规则</a:t>
+            </a:r>
+            <a:endParaRPr lang="en-US" altLang="zh-CN" dirty="0" smtClean="0"/>
+          </a:p>
+          <a:p>
+            <a:r>
+              <a:rPr lang="zh-CN" altLang="en-US" dirty="0" smtClean="0"/>
+              <a:t>封闭规则：就是规则中</a:t>
+            </a:r>
+            <a:r>
+              <a:rPr lang="zh-CN" altLang="en-US" baseline="0" dirty="0" smtClean="0"/>
+              <a:t> 每个变量至少出现两次 这个好理解</a:t>
+            </a:r>
+            <a:endParaRPr lang="en-US" altLang="zh-CN" baseline="0" dirty="0" smtClean="0"/>
+          </a:p>
+          <a:p>
+            <a:r>
+              <a:rPr lang="zh-CN" altLang="en-US" dirty="0" smtClean="0"/>
+              <a:t>*封闭规则中有一类特殊的，就是</a:t>
+            </a:r>
+            <a:r>
+              <a:rPr lang="en-US" altLang="zh-CN" dirty="0" smtClean="0"/>
+              <a:t>atom</a:t>
+            </a:r>
+            <a:r>
+              <a:rPr lang="zh-CN" altLang="en-US" dirty="0" smtClean="0"/>
+              <a:t>中包含了实例化变量，比如下面的规则，这个我们暂时不讨论。</a:t>
+            </a:r>
+            <a:endParaRPr lang="en-US" altLang="zh-CN" dirty="0" smtClean="0"/>
+          </a:p>
+          <a:p>
+            <a:r>
+              <a:rPr lang="zh-CN" altLang="en-US" dirty="0" smtClean="0"/>
+              <a:t>还有就是非封闭规则，由于非封闭规则范围比较广泛，我们在这里限制一下</a:t>
+            </a:r>
+            <a:endParaRPr lang="en-US" altLang="zh-CN" dirty="0" smtClean="0"/>
+          </a:p>
+          <a:p>
+            <a:r>
+              <a:rPr lang="zh-CN" altLang="en-US" dirty="0" smtClean="0"/>
+              <a:t>比如说，我们固定一个主语</a:t>
+            </a:r>
+            <a:r>
+              <a:rPr lang="en-US" altLang="zh-CN" dirty="0" smtClean="0"/>
+              <a:t>?a</a:t>
+            </a:r>
+            <a:r>
+              <a:rPr lang="zh-CN" altLang="en-US" dirty="0" smtClean="0"/>
+              <a:t>，忽略宾语，然后我们找出跟这个主语相关的 关系，就是</a:t>
+            </a:r>
+            <a:r>
+              <a:rPr lang="en-US" altLang="zh-CN" dirty="0" smtClean="0"/>
+              <a:t>relation</a:t>
+            </a:r>
+            <a:r>
+              <a:rPr lang="zh-CN" altLang="en-US" dirty="0" smtClean="0"/>
+              <a:t>，找出</a:t>
+            </a:r>
+            <a:r>
+              <a:rPr lang="en-US" altLang="zh-CN" dirty="0" smtClean="0"/>
+              <a:t>relation</a:t>
+            </a:r>
+            <a:r>
+              <a:rPr lang="zh-CN" altLang="en-US" dirty="0" smtClean="0"/>
+              <a:t>之间的联系，得到一组规则。</a:t>
+            </a:r>
+            <a:endParaRPr lang="en-US" altLang="zh-CN" dirty="0" smtClean="0"/>
+          </a:p>
+          <a:p>
+            <a:r>
+              <a:rPr lang="zh-CN" altLang="en-US" dirty="0" smtClean="0"/>
+              <a:t>例如：</a:t>
+            </a:r>
+            <a:r>
+              <a:rPr lang="en-US" altLang="zh-CN" dirty="0" smtClean="0"/>
+              <a:t>a </a:t>
+            </a:r>
+            <a:r>
+              <a:rPr lang="zh-CN" altLang="en-US" dirty="0" smtClean="0"/>
+              <a:t>结婚了，那么</a:t>
+            </a:r>
+            <a:r>
+              <a:rPr lang="en-US" altLang="zh-CN" dirty="0" smtClean="0"/>
+              <a:t>a</a:t>
+            </a:r>
+            <a:r>
+              <a:rPr lang="zh-CN" altLang="en-US" dirty="0" smtClean="0"/>
+              <a:t>有孩子   这个就是我们要找的非封闭规则，</a:t>
+            </a:r>
+            <a:endParaRPr lang="en-US" altLang="zh-CN" dirty="0" smtClean="0"/>
+          </a:p>
+        </p:txBody>
+      </p:sp>
+      <p:sp>
+        <p:nvSpPr>
+          <p:cNvPr id="4" name="灯片编号占位符 3"/>
+          <p:cNvSpPr>
+            <a:spLocks noGrp="1"/>
+          </p:cNvSpPr>
+          <p:nvPr>
+            <p:ph type="sldNum" sz="quarter" idx="10"/>
+          </p:nvPr>
+        </p:nvSpPr>
+        <p:spPr/>
+        <p:txBody>
+          <a:bodyPr/>
+          <a:lstStyle/>
+          <a:p>
+            <a:fld id="{2F25F732-90D6-41E9-BF2F-F9F81F38F3B3}" type="slidenum">
+              <a:rPr lang="zh-CN" altLang="en-US" smtClean="0"/>
+              <a:t>5</a:t>
+            </a:fld>
+            <a:endParaRPr lang="zh-CN" altLang="en-US"/>
+          </a:p>
+        </p:txBody>
+      </p:sp>
+    </p:spTree>
+    <p:extLst>
+      <p:ext uri="{BB962C8B-B14F-4D97-AF65-F5344CB8AC3E}">
+        <p14:creationId xmlns:p14="http://schemas.microsoft.com/office/powerpoint/2010/main" val="1896116639"/>
+      </p:ext>
+    </p:extLst>
+  </p:cSld>
+  <p:clrMapOvr>
+    <a:masterClrMapping/>
+  </p:clrMapOvr>
+</p:notes>
+</file>
+
+<file path=ppt/notesSlides/notesSlide6.xml><?xml version="1.0" encoding="utf-8"?>
+<p:notes xmlns:a="http://schemas.openxmlformats.org/drawingml/2006/main" xmlns:r="http://schemas.openxmlformats.org/officeDocument/2006/relationships" xmlns:p="http://schemas.openxmlformats.org/presentationml/2006/main">
+  <p:cSld>
+    <p:spTree>
+      <p:nvGrpSpPr>
+        <p:cNvPr id="1" name=""/>
+        <p:cNvGrpSpPr/>
+        <p:nvPr/>
+      </p:nvGrpSpPr>
+      <p:grpSpPr>
+        <a:xfrm>
+          <a:off x="0" y="0"/>
+          <a:ext cx="0" cy="0"/>
+          <a:chOff x="0" y="0"/>
+          <a:chExt cx="0" cy="0"/>
+        </a:xfrm>
+      </p:grpSpPr>
+      <p:sp>
+        <p:nvSpPr>
+          <p:cNvPr id="2" name="幻灯片图像占位符 1"/>
+          <p:cNvSpPr>
+            <a:spLocks noGrp="1" noRot="1" noChangeAspect="1"/>
+          </p:cNvSpPr>
+          <p:nvPr>
+            <p:ph type="sldImg"/>
+          </p:nvPr>
+        </p:nvSpPr>
+        <p:spPr/>
+      </p:sp>
+      <p:sp>
+        <p:nvSpPr>
+          <p:cNvPr id="3" name="备注占位符 2"/>
+          <p:cNvSpPr>
+            <a:spLocks noGrp="1"/>
+          </p:cNvSpPr>
+          <p:nvPr>
+            <p:ph type="body" idx="1"/>
+          </p:nvPr>
+        </p:nvSpPr>
+        <p:spPr/>
+        <p:txBody>
+          <a:bodyPr/>
+          <a:lstStyle/>
+          <a:p>
+            <a:r>
+              <a:rPr lang="zh-CN" altLang="en-US" dirty="0" smtClean="0"/>
+              <a:t>这里是规则挖掘的大致过程</a:t>
+            </a:r>
+            <a:endParaRPr lang="en-US" altLang="zh-CN" dirty="0" smtClean="0"/>
+          </a:p>
+          <a:p>
+            <a:r>
+              <a:rPr lang="zh-CN" altLang="en-US" dirty="0" smtClean="0"/>
+              <a:t>首先是获得一个初始规则的集合，放到规则队列中</a:t>
+            </a:r>
+            <a:endParaRPr lang="en-US" altLang="zh-CN" dirty="0" smtClean="0"/>
+          </a:p>
+          <a:p>
+            <a:r>
+              <a:rPr lang="zh-CN" altLang="en-US" dirty="0" smtClean="0"/>
+              <a:t>从规则队列中取出一条规则，判断是否满足输出条件，满足则放到输出队列</a:t>
+            </a:r>
+            <a:endParaRPr lang="en-US" altLang="zh-CN" dirty="0" smtClean="0"/>
+          </a:p>
+          <a:p>
+            <a:r>
+              <a:rPr lang="zh-CN" altLang="en-US" dirty="0" smtClean="0"/>
+              <a:t>对取出的规则进行推演，得到更多规则，这些规则的长度增加</a:t>
+            </a:r>
+            <a:r>
+              <a:rPr lang="en-US" altLang="zh-CN" dirty="0" smtClean="0"/>
+              <a:t>1</a:t>
+            </a:r>
+          </a:p>
+          <a:p>
+            <a:r>
+              <a:rPr lang="zh-CN" altLang="en-US" dirty="0" smtClean="0"/>
+              <a:t>把这些规则放到规则队列中。</a:t>
+            </a:r>
+            <a:endParaRPr lang="en-US" altLang="zh-CN" dirty="0" smtClean="0"/>
+          </a:p>
+          <a:p>
+            <a:r>
+              <a:rPr lang="en-US" altLang="zh-CN" dirty="0" smtClean="0"/>
+              <a:t>···········</a:t>
+            </a:r>
+            <a:r>
+              <a:rPr lang="zh-CN" altLang="en-US" dirty="0" smtClean="0"/>
+              <a:t>首先来看一下初始规则是这么获取的。</a:t>
+            </a:r>
+            <a:endParaRPr lang="en-US" altLang="zh-CN" dirty="0" smtClean="0"/>
+          </a:p>
+          <a:p>
+            <a:r>
+              <a:rPr lang="en-US" altLang="zh-CN" dirty="0" smtClean="0"/>
+              <a:t>···········</a:t>
+            </a:r>
+            <a:r>
+              <a:rPr lang="zh-CN" altLang="en-US" dirty="0" smtClean="0"/>
+              <a:t>然后是规则的推演过程</a:t>
+            </a:r>
+            <a:endParaRPr lang="en-US" altLang="zh-CN" dirty="0" smtClean="0"/>
+          </a:p>
+        </p:txBody>
+      </p:sp>
+      <p:sp>
+        <p:nvSpPr>
+          <p:cNvPr id="4" name="灯片编号占位符 3"/>
+          <p:cNvSpPr>
+            <a:spLocks noGrp="1"/>
+          </p:cNvSpPr>
+          <p:nvPr>
+            <p:ph type="sldNum" sz="quarter" idx="10"/>
+          </p:nvPr>
+        </p:nvSpPr>
+        <p:spPr/>
+        <p:txBody>
+          <a:bodyPr/>
+          <a:lstStyle/>
+          <a:p>
+            <a:fld id="{2F25F732-90D6-41E9-BF2F-F9F81F38F3B3}" type="slidenum">
+              <a:rPr lang="zh-CN" altLang="en-US" smtClean="0"/>
+              <a:t>6</a:t>
+            </a:fld>
+            <a:endParaRPr lang="zh-CN" altLang="en-US"/>
+          </a:p>
+        </p:txBody>
+      </p:sp>
+    </p:spTree>
+    <p:extLst>
+      <p:ext uri="{BB962C8B-B14F-4D97-AF65-F5344CB8AC3E}">
+        <p14:creationId xmlns:p14="http://schemas.microsoft.com/office/powerpoint/2010/main" val="4240303377"/>
+      </p:ext>
+    </p:extLst>
+  </p:cSld>
+  <p:clrMapOvr>
+    <a:masterClrMapping/>
+  </p:clrMapOvr>
+</p:notes>
+</file>
+
+<file path=ppt/notesSlides/notesSlide7.xml><?xml version="1.0" encoding="utf-8"?>
+<p:notes xmlns:a="http://schemas.openxmlformats.org/drawingml/2006/main" xmlns:r="http://schemas.openxmlformats.org/officeDocument/2006/relationships" xmlns:p="http://schemas.openxmlformats.org/presentationml/2006/main">
+  <p:cSld>
+    <p:spTree>
+      <p:nvGrpSpPr>
+        <p:cNvPr id="1" name=""/>
+        <p:cNvGrpSpPr/>
+        <p:nvPr/>
+      </p:nvGrpSpPr>
+      <p:grpSpPr>
+        <a:xfrm>
+          <a:off x="0" y="0"/>
+          <a:ext cx="0" cy="0"/>
+          <a:chOff x="0" y="0"/>
+          <a:chExt cx="0" cy="0"/>
+        </a:xfrm>
+      </p:grpSpPr>
+      <p:sp>
+        <p:nvSpPr>
+          <p:cNvPr id="2" name="幻灯片图像占位符 1"/>
+          <p:cNvSpPr>
+            <a:spLocks noGrp="1" noRot="1" noChangeAspect="1"/>
+          </p:cNvSpPr>
+          <p:nvPr>
+            <p:ph type="sldImg"/>
+          </p:nvPr>
+        </p:nvSpPr>
+        <p:spPr/>
+      </p:sp>
+      <p:sp>
+        <p:nvSpPr>
+          <p:cNvPr id="3" name="备注占位符 2"/>
+          <p:cNvSpPr>
+            <a:spLocks noGrp="1"/>
+          </p:cNvSpPr>
+          <p:nvPr>
+            <p:ph type="body" idx="1"/>
+          </p:nvPr>
+        </p:nvSpPr>
+        <p:spPr/>
+        <p:txBody>
+          <a:bodyPr/>
+          <a:lstStyle/>
+          <a:p>
+            <a:r>
+              <a:rPr lang="zh-CN" altLang="en-US" dirty="0" smtClean="0"/>
+              <a:t>我们的目标是寻找长度为</a:t>
+            </a:r>
+            <a:r>
+              <a:rPr lang="en-US" altLang="zh-CN" dirty="0" smtClean="0"/>
+              <a:t>1</a:t>
+            </a:r>
+            <a:r>
+              <a:rPr lang="zh-CN" altLang="en-US" baseline="0" dirty="0" smtClean="0"/>
+              <a:t>的规则</a:t>
+            </a:r>
+            <a:endParaRPr lang="en-US" altLang="zh-CN" baseline="0" dirty="0" smtClean="0"/>
+          </a:p>
+          <a:p>
+            <a:r>
+              <a:rPr lang="zh-CN" altLang="en-US" baseline="0" dirty="0" smtClean="0"/>
+              <a:t>这里用到一个重要的函数</a:t>
+            </a:r>
+            <a:r>
+              <a:rPr lang="en-US" altLang="zh-CN" sz="1200" dirty="0" err="1" smtClean="0"/>
+              <a:t>countProjectionBindings</a:t>
+            </a:r>
+            <a:endParaRPr lang="en-US" altLang="zh-CN" sz="1200" dirty="0" smtClean="0"/>
+          </a:p>
+          <a:p>
+            <a:r>
+              <a:rPr lang="zh-CN" altLang="en-US" sz="1200" dirty="0" smtClean="0"/>
+              <a:t>函数的参数是。。。。。一个三元组，许多个三元组</a:t>
+            </a:r>
+            <a:endParaRPr lang="en-US" altLang="zh-CN" sz="1200" dirty="0" smtClean="0"/>
+          </a:p>
+          <a:p>
+            <a:r>
+              <a:rPr lang="zh-CN" altLang="en-US" sz="1200" dirty="0" smtClean="0"/>
+              <a:t>函数的功能是。。。。。</a:t>
+            </a:r>
+            <a:endParaRPr lang="en-US" altLang="zh-CN" sz="1200" dirty="0" smtClean="0"/>
+          </a:p>
+          <a:p>
+            <a:r>
+              <a:rPr lang="zh-CN" altLang="en-US" sz="1200" dirty="0" smtClean="0"/>
+              <a:t>我们来看一下一个例子</a:t>
+            </a:r>
+            <a:endParaRPr lang="zh-CN" altLang="en-US" dirty="0"/>
+          </a:p>
+        </p:txBody>
+      </p:sp>
+      <p:sp>
+        <p:nvSpPr>
+          <p:cNvPr id="4" name="灯片编号占位符 3"/>
+          <p:cNvSpPr>
+            <a:spLocks noGrp="1"/>
+          </p:cNvSpPr>
+          <p:nvPr>
+            <p:ph type="sldNum" sz="quarter" idx="10"/>
+          </p:nvPr>
+        </p:nvSpPr>
+        <p:spPr/>
+        <p:txBody>
+          <a:bodyPr/>
+          <a:lstStyle/>
+          <a:p>
+            <a:fld id="{2F25F732-90D6-41E9-BF2F-F9F81F38F3B3}" type="slidenum">
+              <a:rPr lang="zh-CN" altLang="en-US" smtClean="0"/>
+              <a:t>7</a:t>
+            </a:fld>
+            <a:endParaRPr lang="zh-CN" altLang="en-US"/>
+          </a:p>
+        </p:txBody>
+      </p:sp>
+    </p:spTree>
+    <p:extLst>
+      <p:ext uri="{BB962C8B-B14F-4D97-AF65-F5344CB8AC3E}">
+        <p14:creationId xmlns:p14="http://schemas.microsoft.com/office/powerpoint/2010/main" val="1934921097"/>
+      </p:ext>
+    </p:extLst>
+  </p:cSld>
+  <p:clrMapOvr>
+    <a:masterClrMapping/>
+  </p:clrMapOvr>
+</p:notes>
+</file>
+
+<file path=ppt/notesSlides/notesSlide8.xml><?xml version="1.0" encoding="utf-8"?>
+<p:notes xmlns:a="http://schemas.openxmlformats.org/drawingml/2006/main" xmlns:r="http://schemas.openxmlformats.org/officeDocument/2006/relationships" xmlns:p="http://schemas.openxmlformats.org/presentationml/2006/main">
+  <p:cSld>
+    <p:spTree>
+      <p:nvGrpSpPr>
+        <p:cNvPr id="1" name=""/>
+        <p:cNvGrpSpPr/>
+        <p:nvPr/>
+      </p:nvGrpSpPr>
+      <p:grpSpPr>
+        <a:xfrm>
+          <a:off x="0" y="0"/>
+          <a:ext cx="0" cy="0"/>
+          <a:chOff x="0" y="0"/>
+          <a:chExt cx="0" cy="0"/>
+        </a:xfrm>
+      </p:grpSpPr>
+      <p:sp>
+        <p:nvSpPr>
+          <p:cNvPr id="2" name="幻灯片图像占位符 1"/>
+          <p:cNvSpPr>
+            <a:spLocks noGrp="1" noRot="1" noChangeAspect="1"/>
+          </p:cNvSpPr>
+          <p:nvPr>
+            <p:ph type="sldImg"/>
+          </p:nvPr>
+        </p:nvSpPr>
+        <p:spPr/>
+      </p:sp>
+      <p:sp>
+        <p:nvSpPr>
+          <p:cNvPr id="3" name="备注占位符 2"/>
+          <p:cNvSpPr>
+            <a:spLocks noGrp="1"/>
+          </p:cNvSpPr>
+          <p:nvPr>
+            <p:ph type="body" idx="1"/>
+          </p:nvPr>
+        </p:nvSpPr>
+        <p:spPr/>
+        <p:txBody>
+          <a:bodyPr/>
+          <a:lstStyle/>
+          <a:p>
+            <a:r>
+              <a:rPr lang="zh-CN" altLang="en-US" dirty="0" smtClean="0"/>
+              <a:t>这里查询变量是</a:t>
+            </a:r>
+            <a:r>
+              <a:rPr lang="en-US" altLang="zh-CN" dirty="0" smtClean="0"/>
+              <a:t>a</a:t>
+            </a:r>
+          </a:p>
+          <a:p>
+            <a:r>
+              <a:rPr lang="zh-CN" altLang="en-US" sz="1200" dirty="0" smtClean="0"/>
+              <a:t>对  </a:t>
+            </a:r>
+            <a:r>
+              <a:rPr lang="en-US" altLang="zh-CN" sz="1200" dirty="0" smtClean="0"/>
+              <a:t>“?a”, “&lt;lives&gt;”, “?b” </a:t>
+            </a:r>
+            <a:r>
+              <a:rPr lang="zh-CN" altLang="en-US" sz="1200" dirty="0" smtClean="0"/>
+              <a:t>的实例进行计数</a:t>
+            </a:r>
+            <a:endParaRPr lang="en-US" altLang="zh-CN" sz="1200" dirty="0" smtClean="0"/>
+          </a:p>
+          <a:p>
+            <a:pPr>
+              <a:lnSpc>
+                <a:spcPct val="150000"/>
+              </a:lnSpc>
+            </a:pPr>
+            <a:r>
+              <a:rPr lang="zh-CN" altLang="en-US" sz="1200" dirty="0" smtClean="0"/>
+              <a:t>满足的规则限制是 </a:t>
+            </a:r>
+            <a:r>
+              <a:rPr lang="en-US" altLang="zh-CN" sz="1200" dirty="0" smtClean="0"/>
+              <a:t>{“?a”, “&lt;lives&gt;”, “?b”},</a:t>
+            </a:r>
+          </a:p>
+          <a:p>
+            <a:pPr>
+              <a:lnSpc>
+                <a:spcPct val="150000"/>
+              </a:lnSpc>
+            </a:pPr>
+            <a:r>
+              <a:rPr lang="en-US" altLang="zh-CN" sz="1200" dirty="0" smtClean="0"/>
+              <a:t>	[ {“?a”, “&lt;lives&gt;”, “?c”},</a:t>
+            </a:r>
+          </a:p>
+          <a:p>
+            <a:pPr>
+              <a:lnSpc>
+                <a:spcPct val="150000"/>
+              </a:lnSpc>
+            </a:pPr>
+            <a:r>
+              <a:rPr lang="en-US" altLang="zh-CN" sz="1200" dirty="0" smtClean="0"/>
+              <a:t>	  {“?a”, “&lt;lives&gt;”, “?c”}]</a:t>
+            </a:r>
+          </a:p>
+          <a:p>
+            <a:r>
+              <a:rPr lang="zh-CN" altLang="en-US" dirty="0" smtClean="0"/>
+              <a:t>这样返回</a:t>
+            </a:r>
+            <a:r>
+              <a:rPr lang="en-US" altLang="zh-CN" dirty="0" smtClean="0"/>
+              <a:t>a</a:t>
+            </a:r>
+            <a:r>
+              <a:rPr lang="zh-CN" altLang="en-US" dirty="0" smtClean="0"/>
+              <a:t>的实例，以及这个实例对应的</a:t>
+            </a:r>
+            <a:r>
+              <a:rPr lang="en-US" altLang="zh-CN" sz="1200" dirty="0" smtClean="0"/>
+              <a:t>{“?a”, “&lt;lives&gt;”, “?b”},</a:t>
+            </a:r>
+            <a:r>
+              <a:rPr lang="zh-CN" altLang="en-US" sz="1200" dirty="0" smtClean="0"/>
+              <a:t>实例的数量</a:t>
+            </a:r>
+            <a:endParaRPr lang="en-US" altLang="zh-CN" sz="1200" dirty="0" smtClean="0"/>
+          </a:p>
+          <a:p>
+            <a:r>
+              <a:rPr lang="zh-CN" altLang="en-US" sz="1200" dirty="0" smtClean="0"/>
+              <a:t>知道这个以后，我们再来看</a:t>
+            </a:r>
+            <a:endParaRPr lang="zh-CN" altLang="en-US" dirty="0"/>
+          </a:p>
+        </p:txBody>
+      </p:sp>
+      <p:sp>
+        <p:nvSpPr>
+          <p:cNvPr id="4" name="灯片编号占位符 3"/>
+          <p:cNvSpPr>
+            <a:spLocks noGrp="1"/>
+          </p:cNvSpPr>
+          <p:nvPr>
+            <p:ph type="sldNum" sz="quarter" idx="10"/>
+          </p:nvPr>
+        </p:nvSpPr>
+        <p:spPr/>
+        <p:txBody>
+          <a:bodyPr/>
+          <a:lstStyle/>
+          <a:p>
+            <a:fld id="{2F25F732-90D6-41E9-BF2F-F9F81F38F3B3}" type="slidenum">
+              <a:rPr lang="zh-CN" altLang="en-US" smtClean="0"/>
+              <a:t>8</a:t>
+            </a:fld>
+            <a:endParaRPr lang="zh-CN" altLang="en-US"/>
+          </a:p>
+        </p:txBody>
+      </p:sp>
+    </p:spTree>
+    <p:extLst>
+      <p:ext uri="{BB962C8B-B14F-4D97-AF65-F5344CB8AC3E}">
+        <p14:creationId xmlns:p14="http://schemas.microsoft.com/office/powerpoint/2010/main" val="713401971"/>
+      </p:ext>
+    </p:extLst>
+  </p:cSld>
+  <p:clrMapOvr>
+    <a:masterClrMapping/>
+  </p:clrMapOvr>
+</p:notes>
+</file>
+
+<file path=ppt/notesSlides/notesSlide9.xml><?xml version="1.0" encoding="utf-8"?>
+<p:notes xmlns:a="http://schemas.openxmlformats.org/drawingml/2006/main" xmlns:r="http://schemas.openxmlformats.org/officeDocument/2006/relationships" xmlns:p="http://schemas.openxmlformats.org/presentationml/2006/main">
+  <p:cSld>
+    <p:spTree>
+      <p:nvGrpSpPr>
+        <p:cNvPr id="1" name=""/>
+        <p:cNvGrpSpPr/>
+        <p:nvPr/>
+      </p:nvGrpSpPr>
+      <p:grpSpPr>
+        <a:xfrm>
+          <a:off x="0" y="0"/>
+          <a:ext cx="0" cy="0"/>
+          <a:chOff x="0" y="0"/>
+          <a:chExt cx="0" cy="0"/>
+        </a:xfrm>
+      </p:grpSpPr>
+      <p:sp>
+        <p:nvSpPr>
+          <p:cNvPr id="2" name="幻灯片图像占位符 1"/>
+          <p:cNvSpPr>
+            <a:spLocks noGrp="1" noRot="1" noChangeAspect="1"/>
+          </p:cNvSpPr>
+          <p:nvPr>
+            <p:ph type="sldImg"/>
+          </p:nvPr>
+        </p:nvSpPr>
+        <p:spPr/>
+      </p:sp>
+      <p:sp>
+        <p:nvSpPr>
+          <p:cNvPr id="3" name="备注占位符 2"/>
+          <p:cNvSpPr>
+            <a:spLocks noGrp="1"/>
+          </p:cNvSpPr>
+          <p:nvPr>
+            <p:ph type="body" idx="1"/>
+          </p:nvPr>
+        </p:nvSpPr>
+        <p:spPr/>
+        <p:txBody>
+          <a:bodyPr/>
+          <a:lstStyle/>
+          <a:p>
+            <a:pPr marL="0" marR="0" indent="0" algn="l" defTabSz="914400" rtl="0" eaLnBrk="1" fontAlgn="auto" latinLnBrk="0" hangingPunct="1">
+              <a:lnSpc>
+                <a:spcPct val="100000"/>
+              </a:lnSpc>
+              <a:spcBef>
+                <a:spcPts val="0"/>
+              </a:spcBef>
+              <a:spcAft>
+                <a:spcPts val="0"/>
+              </a:spcAft>
+              <a:buClrTx/>
+              <a:buSzTx/>
+              <a:buFontTx/>
+              <a:buNone/>
+              <a:tabLst/>
+              <a:defRPr/>
+            </a:pPr>
+            <a:r>
+              <a:rPr lang="zh-CN" altLang="en-US" dirty="0" smtClean="0"/>
+              <a:t>寻找初始规则就是   </a:t>
+            </a:r>
+            <a:r>
+              <a:rPr lang="zh-CN" altLang="en-US" sz="1200" dirty="0" smtClean="0"/>
+              <a:t>找到知识库中所有</a:t>
+            </a:r>
+            <a:r>
+              <a:rPr lang="en-US" altLang="zh-CN" sz="1200" dirty="0" smtClean="0"/>
+              <a:t>relation</a:t>
+            </a:r>
+          </a:p>
+          <a:p>
+            <a:pPr marL="0" marR="0" indent="0" algn="l" defTabSz="914400" rtl="0" eaLnBrk="1" fontAlgn="auto" latinLnBrk="0" hangingPunct="1">
+              <a:lnSpc>
+                <a:spcPct val="100000"/>
+              </a:lnSpc>
+              <a:spcBef>
+                <a:spcPts val="0"/>
+              </a:spcBef>
+              <a:spcAft>
+                <a:spcPts val="0"/>
+              </a:spcAft>
+              <a:buClrTx/>
+              <a:buSzTx/>
+              <a:buFontTx/>
+              <a:buNone/>
+              <a:tabLst/>
+              <a:defRPr/>
+            </a:pPr>
+            <a:r>
+              <a:rPr lang="zh-CN" altLang="en-US" dirty="0" smtClean="0"/>
+              <a:t>这样就得到了  </a:t>
+            </a:r>
+            <a:r>
+              <a:rPr lang="zh-CN" altLang="en-US" sz="1200" dirty="0" smtClean="0"/>
+              <a:t>形式是：</a:t>
+            </a:r>
+            <a:r>
+              <a:rPr lang="en-US" altLang="zh-CN" sz="1200" dirty="0" smtClean="0"/>
+              <a:t>?a &lt;R1&gt; ?b </a:t>
+            </a:r>
+            <a:r>
+              <a:rPr lang="zh-CN" altLang="en-US" sz="1200" dirty="0" smtClean="0"/>
+              <a:t>的规则</a:t>
+            </a:r>
+            <a:endParaRPr lang="en-US" altLang="zh-CN" sz="1200" dirty="0" smtClean="0"/>
+          </a:p>
+          <a:p>
+            <a:pPr marL="0" marR="0" indent="0" algn="l" defTabSz="914400" rtl="0" eaLnBrk="1" fontAlgn="auto" latinLnBrk="0" hangingPunct="1">
+              <a:lnSpc>
+                <a:spcPct val="100000"/>
+              </a:lnSpc>
+              <a:spcBef>
+                <a:spcPts val="0"/>
+              </a:spcBef>
+              <a:spcAft>
+                <a:spcPts val="0"/>
+              </a:spcAft>
+              <a:buClrTx/>
+              <a:buSzTx/>
+              <a:buFontTx/>
+              <a:buNone/>
+              <a:tabLst/>
+              <a:defRPr/>
+            </a:pPr>
+            <a:r>
+              <a:rPr lang="zh-CN" altLang="en-US" dirty="0" smtClean="0"/>
+              <a:t>这时候，我们设置查询变量是关系变量</a:t>
+            </a:r>
+            <a:r>
+              <a:rPr lang="en-US" altLang="zh-CN" dirty="0" smtClean="0"/>
+              <a:t>p</a:t>
+            </a:r>
+            <a:r>
+              <a:rPr lang="zh-CN" altLang="en-US" dirty="0" smtClean="0"/>
+              <a:t>，计数是新的</a:t>
+            </a:r>
+            <a:r>
+              <a:rPr lang="en-US" altLang="zh-CN" dirty="0" smtClean="0"/>
+              <a:t>atom  </a:t>
+            </a:r>
+            <a:r>
+              <a:rPr lang="en-US" altLang="zh-CN" sz="1200" dirty="0" smtClean="0"/>
+              <a:t>{“?a”, “?p”, “?b”},</a:t>
+            </a:r>
+          </a:p>
+          <a:p>
+            <a:pPr marL="0" marR="0" indent="0" algn="l" defTabSz="914400" rtl="0" eaLnBrk="1" fontAlgn="auto" latinLnBrk="0" hangingPunct="1">
+              <a:lnSpc>
+                <a:spcPct val="100000"/>
+              </a:lnSpc>
+              <a:spcBef>
+                <a:spcPts val="0"/>
+              </a:spcBef>
+              <a:spcAft>
+                <a:spcPts val="0"/>
+              </a:spcAft>
+              <a:buClrTx/>
+              <a:buSzTx/>
+              <a:buFontTx/>
+              <a:buNone/>
+              <a:tabLst/>
+              <a:defRPr/>
+            </a:pPr>
+            <a:r>
+              <a:rPr lang="zh-CN" altLang="en-US" sz="1200" dirty="0" smtClean="0"/>
+              <a:t>返回许多 </a:t>
+            </a:r>
+            <a:r>
+              <a:rPr lang="en-US" altLang="zh-CN" sz="1200" dirty="0" smtClean="0"/>
+              <a:t>Relation : projection count</a:t>
+            </a:r>
+            <a:r>
+              <a:rPr lang="zh-CN" altLang="en-US" sz="1200" dirty="0" smtClean="0"/>
+              <a:t>键值对（这个</a:t>
+            </a:r>
+            <a:r>
+              <a:rPr lang="en-US" altLang="zh-CN" sz="1200" dirty="0" smtClean="0"/>
+              <a:t>count</a:t>
+            </a:r>
+            <a:r>
+              <a:rPr lang="zh-CN" altLang="en-US" sz="1200" dirty="0" smtClean="0"/>
+              <a:t>用来计算</a:t>
+            </a:r>
+            <a:r>
+              <a:rPr lang="en-US" altLang="zh-CN" sz="1200" dirty="0" smtClean="0"/>
+              <a:t>support</a:t>
+            </a:r>
+            <a:r>
+              <a:rPr lang="zh-CN" altLang="en-US" sz="1200" dirty="0" smtClean="0"/>
+              <a:t>，这个之后会讲）</a:t>
+            </a:r>
+            <a:endParaRPr lang="en-US" altLang="zh-CN" sz="1200" dirty="0" smtClean="0"/>
+          </a:p>
+          <a:p>
+            <a:pPr marL="0" marR="0" indent="0" algn="l" defTabSz="914400" rtl="0" eaLnBrk="1" fontAlgn="auto" latinLnBrk="0" hangingPunct="1">
+              <a:lnSpc>
+                <a:spcPct val="100000"/>
+              </a:lnSpc>
+              <a:spcBef>
+                <a:spcPts val="0"/>
+              </a:spcBef>
+              <a:spcAft>
+                <a:spcPts val="0"/>
+              </a:spcAft>
+              <a:buClrTx/>
+              <a:buSzTx/>
+              <a:buFontTx/>
+              <a:buNone/>
+              <a:tabLst/>
+              <a:defRPr/>
+            </a:pPr>
+            <a:r>
+              <a:rPr lang="zh-CN" altLang="en-US" sz="1200" dirty="0" smtClean="0"/>
+              <a:t>（返回按键）</a:t>
+            </a:r>
+            <a:endParaRPr lang="en-US" altLang="zh-CN" sz="1200" dirty="0" smtClean="0"/>
+          </a:p>
+        </p:txBody>
+      </p:sp>
+      <p:sp>
+        <p:nvSpPr>
+          <p:cNvPr id="4" name="灯片编号占位符 3"/>
+          <p:cNvSpPr>
+            <a:spLocks noGrp="1"/>
+          </p:cNvSpPr>
+          <p:nvPr>
+            <p:ph type="sldNum" sz="quarter" idx="10"/>
+          </p:nvPr>
+        </p:nvSpPr>
+        <p:spPr/>
+        <p:txBody>
+          <a:bodyPr/>
+          <a:lstStyle/>
+          <a:p>
+            <a:fld id="{2F25F732-90D6-41E9-BF2F-F9F81F38F3B3}" type="slidenum">
+              <a:rPr lang="zh-CN" altLang="en-US" smtClean="0"/>
+              <a:t>9</a:t>
+            </a:fld>
+            <a:endParaRPr lang="zh-CN" altLang="en-US"/>
+          </a:p>
+        </p:txBody>
+      </p:sp>
+    </p:spTree>
+    <p:extLst>
+      <p:ext uri="{BB962C8B-B14F-4D97-AF65-F5344CB8AC3E}">
+        <p14:creationId xmlns:p14="http://schemas.microsoft.com/office/powerpoint/2010/main" val="187198321"/>
       </p:ext>
     </p:extLst>
   </p:cSld>
@@ -5946,7 +9245,7 @@
             <a:fld id="{530820CF-B880-4189-942D-D702A7CBA730}" type="datetimeFigureOut">
               <a:rPr lang="zh-CN" altLang="en-US" smtClean="0"/>
               <a:pPr/>
-              <a:t>2016/6/5</a:t>
+              <a:t>2016/6/6</a:t>
             </a:fld>
             <a:endParaRPr lang="zh-CN" altLang="en-US"/>
           </a:p>
@@ -6135,7 +9434,7 @@
             <a:fld id="{530820CF-B880-4189-942D-D702A7CBA730}" type="datetimeFigureOut">
               <a:rPr lang="zh-CN" altLang="en-US" smtClean="0"/>
               <a:pPr/>
-              <a:t>2016/6/5</a:t>
+              <a:t>2016/6/6</a:t>
             </a:fld>
             <a:endParaRPr lang="zh-CN" altLang="en-US"/>
           </a:p>
@@ -6312,7 +9611,7 @@
             <a:fld id="{530820CF-B880-4189-942D-D702A7CBA730}" type="datetimeFigureOut">
               <a:rPr lang="zh-CN" altLang="en-US" smtClean="0"/>
               <a:pPr/>
-              <a:t>2016/6/5</a:t>
+              <a:t>2016/6/6</a:t>
             </a:fld>
             <a:endParaRPr lang="zh-CN" altLang="en-US"/>
           </a:p>
@@ -6494,7 +9793,7 @@
             <a:fld id="{530820CF-B880-4189-942D-D702A7CBA730}" type="datetimeFigureOut">
               <a:rPr lang="zh-CN" altLang="en-US" smtClean="0"/>
               <a:pPr/>
-              <a:t>2016/6/5</a:t>
+              <a:t>2016/6/6</a:t>
             </a:fld>
             <a:endParaRPr lang="zh-CN" altLang="en-US"/>
           </a:p>
@@ -6743,7 +10042,7 @@
             <a:fld id="{530820CF-B880-4189-942D-D702A7CBA730}" type="datetimeFigureOut">
               <a:rPr lang="zh-CN" altLang="en-US" smtClean="0"/>
               <a:pPr/>
-              <a:t>2016/6/5</a:t>
+              <a:t>2016/6/6</a:t>
             </a:fld>
             <a:endParaRPr lang="zh-CN" altLang="en-US"/>
           </a:p>
@@ -7219,7 +10518,7 @@
             <a:fld id="{530820CF-B880-4189-942D-D702A7CBA730}" type="datetimeFigureOut">
               <a:rPr lang="zh-CN" altLang="en-US" smtClean="0"/>
               <a:pPr/>
-              <a:t>2016/6/5</a:t>
+              <a:t>2016/6/6</a:t>
             </a:fld>
             <a:endParaRPr lang="zh-CN" altLang="en-US"/>
           </a:p>
@@ -7636,7 +10935,7 @@
             <a:fld id="{530820CF-B880-4189-942D-D702A7CBA730}" type="datetimeFigureOut">
               <a:rPr lang="zh-CN" altLang="en-US" smtClean="0"/>
               <a:pPr/>
-              <a:t>2016/6/5</a:t>
+              <a:t>2016/6/6</a:t>
             </a:fld>
             <a:endParaRPr lang="zh-CN" altLang="en-US"/>
           </a:p>
@@ -7769,7 +11068,7 @@
             <a:fld id="{530820CF-B880-4189-942D-D702A7CBA730}" type="datetimeFigureOut">
               <a:rPr lang="zh-CN" altLang="en-US" smtClean="0"/>
               <a:pPr/>
-              <a:t>2016/6/5</a:t>
+              <a:t>2016/6/6</a:t>
             </a:fld>
             <a:endParaRPr lang="zh-CN" altLang="en-US"/>
           </a:p>
@@ -7866,7 +11165,7 @@
             <a:fld id="{530820CF-B880-4189-942D-D702A7CBA730}" type="datetimeFigureOut">
               <a:rPr lang="zh-CN" altLang="en-US" smtClean="0"/>
               <a:pPr/>
-              <a:t>2016/6/5</a:t>
+              <a:t>2016/6/6</a:t>
             </a:fld>
             <a:endParaRPr lang="zh-CN" altLang="en-US"/>
           </a:p>
@@ -8146,7 +11445,7 @@
             <a:fld id="{530820CF-B880-4189-942D-D702A7CBA730}" type="datetimeFigureOut">
               <a:rPr lang="zh-CN" altLang="en-US" smtClean="0"/>
               <a:pPr/>
-              <a:t>2016/6/5</a:t>
+              <a:t>2016/6/6</a:t>
             </a:fld>
             <a:endParaRPr lang="zh-CN" altLang="en-US"/>
           </a:p>
@@ -8400,7 +11699,7 @@
             <a:fld id="{530820CF-B880-4189-942D-D702A7CBA730}" type="datetimeFigureOut">
               <a:rPr lang="zh-CN" altLang="en-US" smtClean="0"/>
               <a:pPr/>
-              <a:t>2016/6/5</a:t>
+              <a:t>2016/6/6</a:t>
             </a:fld>
             <a:endParaRPr lang="zh-CN" altLang="en-US"/>
           </a:p>
@@ -8774,7 +12073,7 @@
             <a:fld id="{530820CF-B880-4189-942D-D702A7CBA730}" type="datetimeFigureOut">
               <a:rPr lang="zh-CN" altLang="en-US" smtClean="0"/>
               <a:pPr/>
-              <a:t>2016/6/5</a:t>
+              <a:t>2016/6/6</a:t>
             </a:fld>
             <a:endParaRPr lang="zh-CN" altLang="en-US"/>
           </a:p>
@@ -9345,11 +12644,11 @@
   <p:clrMapOvr>
     <a:masterClrMapping/>
   </p:clrMapOvr>
-  <mc:AlternateContent xmlns:mc="http://schemas.openxmlformats.org/markup-compatibility/2006">
-    <mc:Choice xmlns:p14="http://schemas.microsoft.com/office/powerpoint/2010/main" Requires="p14">
+  <mc:AlternateContent xmlns:mc="http://schemas.openxmlformats.org/markup-compatibility/2006" xmlns:p14="http://schemas.microsoft.com/office/powerpoint/2010/main">
+    <mc:Choice Requires="p14">
       <p:transition spd="slow" p14:dur="2000"/>
     </mc:Choice>
-    <mc:Fallback>
+    <mc:Fallback xmlns="">
       <p:transition spd="slow"/>
     </mc:Fallback>
   </mc:AlternateContent>
@@ -9606,11 +12905,11 @@
   <p:clrMapOvr>
     <a:masterClrMapping/>
   </p:clrMapOvr>
-  <mc:AlternateContent xmlns:mc="http://schemas.openxmlformats.org/markup-compatibility/2006">
-    <mc:Choice xmlns:p14="http://schemas.microsoft.com/office/powerpoint/2010/main" Requires="p14">
+  <mc:AlternateContent xmlns:mc="http://schemas.openxmlformats.org/markup-compatibility/2006" xmlns:p14="http://schemas.microsoft.com/office/powerpoint/2010/main">
+    <mc:Choice Requires="p14">
       <p:transition spd="slow" p14:dur="2000"/>
     </mc:Choice>
-    <mc:Fallback>
+    <mc:Fallback xmlns="">
       <p:transition spd="slow"/>
     </mc:Fallback>
   </mc:AlternateContent>
@@ -9988,11 +13287,11 @@
   <p:clrMapOvr>
     <a:masterClrMapping/>
   </p:clrMapOvr>
-  <mc:AlternateContent xmlns:mc="http://schemas.openxmlformats.org/markup-compatibility/2006">
-    <mc:Choice xmlns:p14="http://schemas.microsoft.com/office/powerpoint/2010/main" Requires="p14">
+  <mc:AlternateContent xmlns:mc="http://schemas.openxmlformats.org/markup-compatibility/2006" xmlns:p14="http://schemas.microsoft.com/office/powerpoint/2010/main">
+    <mc:Choice Requires="p14">
       <p:transition spd="slow" p14:dur="2000"/>
     </mc:Choice>
-    <mc:Fallback>
+    <mc:Fallback xmlns="">
       <p:transition spd="slow"/>
     </mc:Fallback>
   </mc:AlternateContent>
@@ -10470,11 +13769,11 @@
   <p:clrMapOvr>
     <a:masterClrMapping/>
   </p:clrMapOvr>
-  <mc:AlternateContent xmlns:mc="http://schemas.openxmlformats.org/markup-compatibility/2006">
-    <mc:Choice xmlns:p14="http://schemas.microsoft.com/office/powerpoint/2010/main" Requires="p14">
+  <mc:AlternateContent xmlns:mc="http://schemas.openxmlformats.org/markup-compatibility/2006" xmlns:p14="http://schemas.microsoft.com/office/powerpoint/2010/main">
+    <mc:Choice Requires="p14">
       <p:transition spd="slow" p14:dur="2000"/>
     </mc:Choice>
-    <mc:Fallback>
+    <mc:Fallback xmlns="">
       <p:transition spd="slow"/>
     </mc:Fallback>
   </mc:AlternateContent>
@@ -10997,11 +14296,11 @@
   <p:clrMapOvr>
     <a:masterClrMapping/>
   </p:clrMapOvr>
-  <mc:AlternateContent xmlns:mc="http://schemas.openxmlformats.org/markup-compatibility/2006">
-    <mc:Choice xmlns:p14="http://schemas.microsoft.com/office/powerpoint/2010/main" Requires="p14">
+  <mc:AlternateContent xmlns:mc="http://schemas.openxmlformats.org/markup-compatibility/2006" xmlns:p14="http://schemas.microsoft.com/office/powerpoint/2010/main">
+    <mc:Choice Requires="p14">
       <p:transition spd="slow" p14:dur="2000"/>
     </mc:Choice>
-    <mc:Fallback>
+    <mc:Fallback xmlns="">
       <p:transition spd="slow"/>
     </mc:Fallback>
   </mc:AlternateContent>
@@ -11507,7 +14806,7 @@
           <a:p>
             <a:r>
               <a:rPr lang="zh-CN" altLang="en-US" dirty="0" smtClean="0">
-                <a:hlinkClick r:id="rId2" action="ppaction://hlinksldjump"/>
+                <a:hlinkClick r:id="rId3" action="ppaction://hlinksldjump"/>
               </a:rPr>
               <a:t>返回</a:t>
             </a:r>
@@ -11525,11 +14824,11 @@
   <p:clrMapOvr>
     <a:masterClrMapping/>
   </p:clrMapOvr>
-  <mc:AlternateContent xmlns:mc="http://schemas.openxmlformats.org/markup-compatibility/2006">
-    <mc:Choice xmlns:p14="http://schemas.microsoft.com/office/powerpoint/2010/main" Requires="p14">
+  <mc:AlternateContent xmlns:mc="http://schemas.openxmlformats.org/markup-compatibility/2006" xmlns:p14="http://schemas.microsoft.com/office/powerpoint/2010/main">
+    <mc:Choice Requires="p14">
       <p:transition spd="slow" p14:dur="2000"/>
     </mc:Choice>
-    <mc:Fallback>
+    <mc:Fallback xmlns="">
       <p:transition spd="slow"/>
     </mc:Fallback>
   </mc:AlternateContent>
@@ -11955,11 +15254,15 @@
             </a:r>
             <a:r>
               <a:rPr lang="en-US" altLang="zh-CN" sz="2400" dirty="0" smtClean="0"/>
-              <a:t>body</a:t>
+              <a:t>body    		    </a:t>
             </a:r>
             <a:r>
               <a:rPr lang="zh-CN" altLang="en-US" sz="2400" dirty="0" smtClean="0"/>
-              <a:t>规则限制</a:t>
+              <a:t>规</a:t>
+            </a:r>
+            <a:r>
+              <a:rPr lang="zh-CN" altLang="en-US" sz="2400" dirty="0" smtClean="0"/>
+              <a:t>则限制</a:t>
             </a:r>
             <a:endParaRPr lang="en-US" altLang="zh-CN" sz="2400" dirty="0" smtClean="0"/>
           </a:p>
@@ -11990,12 +15293,16 @@
               <a:t>中固定变量实例的数目，满足</a:t>
             </a:r>
             <a:r>
-              <a:rPr lang="en-US" altLang="zh-CN" sz="2400" dirty="0" err="1" smtClean="0"/>
-              <a:t>bosy</a:t>
+              <a:rPr lang="en-US" altLang="zh-CN" sz="2400" dirty="0" smtClean="0"/>
+              <a:t>body			      </a:t>
             </a:r>
             <a:r>
               <a:rPr lang="zh-CN" altLang="en-US" sz="2400" dirty="0" smtClean="0"/>
-              <a:t>规则限制</a:t>
+              <a:t>规</a:t>
+            </a:r>
+            <a:r>
+              <a:rPr lang="zh-CN" altLang="en-US" sz="2400" dirty="0" smtClean="0"/>
+              <a:t>则限制</a:t>
             </a:r>
             <a:endParaRPr lang="en-US" altLang="zh-CN" sz="2400" dirty="0"/>
           </a:p>
@@ -12025,7 +15332,7 @@
           <a:p>
             <a:r>
               <a:rPr lang="zh-CN" altLang="en-US" dirty="0" smtClean="0">
-                <a:hlinkClick r:id="rId2" action="ppaction://hlinksldjump"/>
+                <a:hlinkClick r:id="rId3" action="ppaction://hlinksldjump"/>
               </a:rPr>
               <a:t>返回</a:t>
             </a:r>
@@ -12043,11 +15350,11 @@
   <p:clrMapOvr>
     <a:masterClrMapping/>
   </p:clrMapOvr>
-  <mc:AlternateContent xmlns:mc="http://schemas.openxmlformats.org/markup-compatibility/2006">
-    <mc:Choice xmlns:p14="http://schemas.microsoft.com/office/powerpoint/2010/main" Requires="p14">
+  <mc:AlternateContent xmlns:mc="http://schemas.openxmlformats.org/markup-compatibility/2006" xmlns:p14="http://schemas.microsoft.com/office/powerpoint/2010/main">
+    <mc:Choice Requires="p14">
       <p:transition spd="slow" p14:dur="2000"/>
     </mc:Choice>
-    <mc:Fallback>
+    <mc:Fallback xmlns="">
       <p:transition spd="slow"/>
     </mc:Fallback>
   </mc:AlternateContent>
@@ -12653,11 +15960,11 @@
   <p:clrMapOvr>
     <a:masterClrMapping/>
   </p:clrMapOvr>
-  <mc:AlternateContent xmlns:mc="http://schemas.openxmlformats.org/markup-compatibility/2006">
-    <mc:Choice xmlns:p14="http://schemas.microsoft.com/office/powerpoint/2010/main" Requires="p14">
+  <mc:AlternateContent xmlns:mc="http://schemas.openxmlformats.org/markup-compatibility/2006" xmlns:p14="http://schemas.microsoft.com/office/powerpoint/2010/main">
+    <mc:Choice Requires="p14">
       <p:transition spd="slow" p14:dur="2000"/>
     </mc:Choice>
-    <mc:Fallback>
+    <mc:Fallback xmlns="">
       <p:transition spd="slow"/>
     </mc:Fallback>
   </mc:AlternateContent>
@@ -14144,11 +17451,11 @@
   <p:clrMapOvr>
     <a:masterClrMapping/>
   </p:clrMapOvr>
-  <mc:AlternateContent xmlns:mc="http://schemas.openxmlformats.org/markup-compatibility/2006">
-    <mc:Choice xmlns:p14="http://schemas.microsoft.com/office/powerpoint/2010/main" Requires="p14">
+  <mc:AlternateContent xmlns:mc="http://schemas.openxmlformats.org/markup-compatibility/2006" xmlns:p14="http://schemas.microsoft.com/office/powerpoint/2010/main">
+    <mc:Choice Requires="p14">
       <p:transition spd="slow" p14:dur="2000"/>
     </mc:Choice>
-    <mc:Fallback>
+    <mc:Fallback xmlns="">
       <p:transition spd="slow"/>
     </mc:Fallback>
   </mc:AlternateContent>
@@ -14373,7 +17680,7 @@
         </p:xfrm>
         <a:graphic>
           <a:graphicData uri="http://schemas.openxmlformats.org/drawingml/2006/chart">
-            <c:chart xmlns:c="http://schemas.openxmlformats.org/drawingml/2006/chart" xmlns:r="http://schemas.openxmlformats.org/officeDocument/2006/relationships" r:id="rId2"/>
+            <c:chart xmlns:c="http://schemas.openxmlformats.org/drawingml/2006/chart" xmlns:r="http://schemas.openxmlformats.org/officeDocument/2006/relationships" r:id="rId3"/>
           </a:graphicData>
         </a:graphic>
       </p:graphicFrame>
@@ -14387,11 +17694,11 @@
   <p:clrMapOvr>
     <a:masterClrMapping/>
   </p:clrMapOvr>
-  <mc:AlternateContent xmlns:mc="http://schemas.openxmlformats.org/markup-compatibility/2006">
-    <mc:Choice xmlns:p14="http://schemas.microsoft.com/office/powerpoint/2010/main" Requires="p14">
+  <mc:AlternateContent xmlns:mc="http://schemas.openxmlformats.org/markup-compatibility/2006" xmlns:p14="http://schemas.microsoft.com/office/powerpoint/2010/main">
+    <mc:Choice Requires="p14">
       <p:transition spd="slow" p14:dur="2000"/>
     </mc:Choice>
-    <mc:Fallback>
+    <mc:Fallback xmlns="">
       <p:transition spd="slow"/>
     </mc:Fallback>
   </mc:AlternateContent>
@@ -15948,11 +19255,11 @@
   <p:clrMapOvr>
     <a:masterClrMapping/>
   </p:clrMapOvr>
-  <mc:AlternateContent xmlns:mc="http://schemas.openxmlformats.org/markup-compatibility/2006">
-    <mc:Choice xmlns:p14="http://schemas.microsoft.com/office/powerpoint/2010/main" Requires="p14">
+  <mc:AlternateContent xmlns:mc="http://schemas.openxmlformats.org/markup-compatibility/2006" xmlns:p14="http://schemas.microsoft.com/office/powerpoint/2010/main">
+    <mc:Choice Requires="p14">
       <p:transition spd="slow" p14:dur="2000"/>
     </mc:Choice>
-    <mc:Fallback>
+    <mc:Fallback xmlns="">
       <p:transition spd="slow"/>
     </mc:Fallback>
   </mc:AlternateContent>
@@ -16141,7 +19448,7 @@
         </p:xfrm>
         <a:graphic>
           <a:graphicData uri="http://schemas.openxmlformats.org/drawingml/2006/diagram">
-            <dgm:relIds xmlns:dgm="http://schemas.openxmlformats.org/drawingml/2006/diagram" xmlns:r="http://schemas.openxmlformats.org/officeDocument/2006/relationships" r:dm="rId2" r:lo="rId3" r:qs="rId4" r:cs="rId5"/>
+            <dgm:relIds xmlns:dgm="http://schemas.openxmlformats.org/drawingml/2006/diagram" xmlns:r="http://schemas.openxmlformats.org/officeDocument/2006/relationships" r:dm="rId3" r:lo="rId4" r:qs="rId5" r:cs="rId6"/>
           </a:graphicData>
         </a:graphic>
       </p:graphicFrame>
@@ -16155,11 +19462,11 @@
   <p:clrMapOvr>
     <a:masterClrMapping/>
   </p:clrMapOvr>
-  <mc:AlternateContent xmlns:mc="http://schemas.openxmlformats.org/markup-compatibility/2006">
-    <mc:Choice xmlns:p14="http://schemas.microsoft.com/office/powerpoint/2010/main" Requires="p14">
+  <mc:AlternateContent xmlns:mc="http://schemas.openxmlformats.org/markup-compatibility/2006" xmlns:p14="http://schemas.microsoft.com/office/powerpoint/2010/main">
+    <mc:Choice Requires="p14">
       <p:transition spd="slow" p14:dur="2000"/>
     </mc:Choice>
-    <mc:Fallback>
+    <mc:Fallback xmlns="">
       <p:transition spd="slow"/>
     </mc:Fallback>
   </mc:AlternateContent>
@@ -16320,7 +19627,7 @@
         </p:xfrm>
         <a:graphic>
           <a:graphicData uri="http://schemas.openxmlformats.org/drawingml/2006/chart">
-            <c:chart xmlns:c="http://schemas.openxmlformats.org/drawingml/2006/chart" xmlns:r="http://schemas.openxmlformats.org/officeDocument/2006/relationships" r:id="rId2"/>
+            <c:chart xmlns:c="http://schemas.openxmlformats.org/drawingml/2006/chart" xmlns:r="http://schemas.openxmlformats.org/officeDocument/2006/relationships" r:id="rId3"/>
           </a:graphicData>
         </a:graphic>
       </p:graphicFrame>
@@ -16334,11 +19641,11 @@
   <p:clrMapOvr>
     <a:masterClrMapping/>
   </p:clrMapOvr>
-  <mc:AlternateContent xmlns:mc="http://schemas.openxmlformats.org/markup-compatibility/2006">
-    <mc:Choice xmlns:p14="http://schemas.microsoft.com/office/powerpoint/2010/main" Requires="p14">
+  <mc:AlternateContent xmlns:mc="http://schemas.openxmlformats.org/markup-compatibility/2006" xmlns:p14="http://schemas.microsoft.com/office/powerpoint/2010/main">
+    <mc:Choice Requires="p14">
       <p:transition spd="slow" p14:dur="2000"/>
     </mc:Choice>
-    <mc:Fallback>
+    <mc:Fallback xmlns="">
       <p:transition spd="slow"/>
     </mc:Fallback>
   </mc:AlternateContent>
@@ -18207,11 +21514,11 @@
   <p:clrMapOvr>
     <a:masterClrMapping/>
   </p:clrMapOvr>
-  <mc:AlternateContent xmlns:mc="http://schemas.openxmlformats.org/markup-compatibility/2006">
-    <mc:Choice xmlns:p14="http://schemas.microsoft.com/office/powerpoint/2010/main" Requires="p14">
+  <mc:AlternateContent xmlns:mc="http://schemas.openxmlformats.org/markup-compatibility/2006" xmlns:p14="http://schemas.microsoft.com/office/powerpoint/2010/main">
+    <mc:Choice Requires="p14">
       <p:transition spd="slow" p14:dur="2000"/>
     </mc:Choice>
-    <mc:Fallback>
+    <mc:Fallback xmlns="">
       <p:transition spd="slow"/>
     </mc:Fallback>
   </mc:AlternateContent>
@@ -18440,7 +21747,7 @@
         </p:xfrm>
         <a:graphic>
           <a:graphicData uri="http://schemas.openxmlformats.org/drawingml/2006/chart">
-            <c:chart xmlns:c="http://schemas.openxmlformats.org/drawingml/2006/chart" xmlns:r="http://schemas.openxmlformats.org/officeDocument/2006/relationships" r:id="rId2"/>
+            <c:chart xmlns:c="http://schemas.openxmlformats.org/drawingml/2006/chart" xmlns:r="http://schemas.openxmlformats.org/officeDocument/2006/relationships" r:id="rId3"/>
           </a:graphicData>
         </a:graphic>
       </p:graphicFrame>
@@ -18454,11 +21761,11 @@
   <p:clrMapOvr>
     <a:masterClrMapping/>
   </p:clrMapOvr>
-  <mc:AlternateContent xmlns:mc="http://schemas.openxmlformats.org/markup-compatibility/2006">
-    <mc:Choice xmlns:p14="http://schemas.microsoft.com/office/powerpoint/2010/main" Requires="p14">
+  <mc:AlternateContent xmlns:mc="http://schemas.openxmlformats.org/markup-compatibility/2006" xmlns:p14="http://schemas.microsoft.com/office/powerpoint/2010/main">
+    <mc:Choice Requires="p14">
       <p:transition spd="slow" p14:dur="2000"/>
     </mc:Choice>
-    <mc:Fallback>
+    <mc:Fallback xmlns="">
       <p:transition spd="slow"/>
     </mc:Fallback>
   </mc:AlternateContent>
@@ -18644,11 +21951,11 @@
   <p:clrMapOvr>
     <a:masterClrMapping/>
   </p:clrMapOvr>
-  <mc:AlternateContent xmlns:mc="http://schemas.openxmlformats.org/markup-compatibility/2006">
-    <mc:Choice xmlns:p14="http://schemas.microsoft.com/office/powerpoint/2010/main" Requires="p14">
+  <mc:AlternateContent xmlns:mc="http://schemas.openxmlformats.org/markup-compatibility/2006" xmlns:p14="http://schemas.microsoft.com/office/powerpoint/2010/main">
+    <mc:Choice Requires="p14">
       <p:transition spd="slow" p14:dur="2000"/>
     </mc:Choice>
-    <mc:Fallback>
+    <mc:Fallback xmlns="">
       <p:transition spd="slow"/>
     </mc:Fallback>
   </mc:AlternateContent>
@@ -19043,11 +22350,11 @@
   <p:clrMapOvr>
     <a:masterClrMapping/>
   </p:clrMapOvr>
-  <mc:AlternateContent xmlns:mc="http://schemas.openxmlformats.org/markup-compatibility/2006">
-    <mc:Choice xmlns:p14="http://schemas.microsoft.com/office/powerpoint/2010/main" Requires="p14">
+  <mc:AlternateContent xmlns:mc="http://schemas.openxmlformats.org/markup-compatibility/2006" xmlns:p14="http://schemas.microsoft.com/office/powerpoint/2010/main">
+    <mc:Choice Requires="p14">
       <p:transition spd="slow" p14:dur="2000"/>
     </mc:Choice>
-    <mc:Fallback>
+    <mc:Fallback xmlns="">
       <p:transition spd="slow"/>
     </mc:Fallback>
   </mc:AlternateContent>
@@ -19296,11 +22603,7 @@
             </a:r>
             <a:r>
               <a:rPr lang="en-US" altLang="zh-CN" sz="2000" dirty="0" smtClean="0"/>
-              <a:t>           body atoms           head </a:t>
-            </a:r>
-            <a:r>
-              <a:rPr lang="en-US" altLang="zh-CN" sz="2000" dirty="0" smtClean="0"/>
-              <a:t>atom</a:t>
+              <a:t>           body atoms           head atom</a:t>
             </a:r>
             <a:endParaRPr lang="en-US" altLang="zh-CN" sz="2000" dirty="0"/>
           </a:p>
@@ -19424,13 +22727,13 @@
   <p:clrMapOvr>
     <a:masterClrMapping/>
   </p:clrMapOvr>
-  <mc:AlternateContent xmlns:mc="http://schemas.openxmlformats.org/markup-compatibility/2006">
-    <mc:Choice xmlns:p14="http://schemas.microsoft.com/office/powerpoint/2010/main" Requires="p14">
+  <mc:AlternateContent xmlns:mc="http://schemas.openxmlformats.org/markup-compatibility/2006" xmlns:p14="http://schemas.microsoft.com/office/powerpoint/2010/main">
+    <mc:Choice Requires="p14">
       <p:transition p14:dur="100">
         <p:cut/>
       </p:transition>
     </mc:Choice>
-    <mc:Fallback>
+    <mc:Fallback xmlns="">
       <p:transition>
         <p:cut/>
       </p:transition>
@@ -19762,7 +23065,6 @@
               <a:rPr lang="en-US" altLang="zh-CN" sz="2400" dirty="0" smtClean="0"/>
               <a:t>b</a:t>
             </a:r>
-            <a:endParaRPr lang="en-US" altLang="zh-CN" sz="2400" dirty="0" smtClean="0"/>
           </a:p>
         </p:txBody>
       </p:sp>
@@ -19794,11 +23096,7 @@
             </a:pPr>
             <a:r>
               <a:rPr lang="zh-CN" altLang="en-US" sz="2400" dirty="0" smtClean="0"/>
-              <a:t>*</a:t>
-            </a:r>
-            <a:r>
-              <a:rPr lang="zh-CN" altLang="en-US" sz="2400" dirty="0" smtClean="0"/>
-              <a:t>包含</a:t>
+              <a:t>*包含</a:t>
             </a:r>
             <a:r>
               <a:rPr lang="en-US" altLang="zh-CN" sz="2400" dirty="0" smtClean="0"/>
@@ -19856,7 +23154,6 @@
               <a:rPr lang="en-US" altLang="zh-CN" sz="2400" dirty="0" smtClean="0"/>
               <a:t>b</a:t>
             </a:r>
-            <a:endParaRPr lang="en-US" altLang="zh-CN" sz="2400" dirty="0" smtClean="0"/>
           </a:p>
         </p:txBody>
       </p:sp>
@@ -19916,23 +23213,39 @@
             </a:pPr>
             <a:r>
               <a:rPr lang="en-US" altLang="zh-CN" sz="2400" dirty="0" smtClean="0"/>
-              <a:t>?a &lt;buys&gt; </a:t>
+              <a:t>?a </a:t>
             </a:r>
             <a:r>
               <a:rPr lang="en-US" altLang="zh-CN" sz="2400" dirty="0"/>
-              <a:t>?b ⋀ ?a </a:t>
+              <a:t>&lt;</a:t>
+            </a:r>
+            <a:r>
+              <a:rPr lang="en-US" altLang="zh-CN" sz="2400" dirty="0" err="1"/>
+              <a:t>isMarriedTo</a:t>
+            </a:r>
+            <a:r>
+              <a:rPr lang="en-US" altLang="zh-CN" sz="2400" dirty="0"/>
+              <a:t>&gt; </a:t>
             </a:r>
             <a:r>
               <a:rPr lang="en-US" altLang="zh-CN" sz="2400" dirty="0" smtClean="0"/>
-              <a:t>&lt;buys&gt; ?c </a:t>
+              <a:t>?b =&gt; ?</a:t>
             </a:r>
             <a:r>
               <a:rPr lang="en-US" altLang="zh-CN" sz="2400" dirty="0"/>
-              <a:t>=&gt; ?a </a:t>
+              <a:t>a </a:t>
             </a:r>
             <a:r>
               <a:rPr lang="en-US" altLang="zh-CN" sz="2400" dirty="0" smtClean="0"/>
-              <a:t>&lt;buys&gt; ?d</a:t>
+              <a:t>&lt;</a:t>
+            </a:r>
+            <a:r>
+              <a:rPr lang="en-US" altLang="zh-CN" sz="2400" dirty="0" err="1" smtClean="0"/>
+              <a:t>hasChild</a:t>
+            </a:r>
+            <a:r>
+              <a:rPr lang="en-US" altLang="zh-CN" sz="2400" dirty="0" smtClean="0"/>
+              <a:t>&gt; ?c</a:t>
             </a:r>
             <a:endParaRPr lang="en-US" altLang="zh-CN" sz="2400" dirty="0"/>
           </a:p>
@@ -19956,11 +23269,11 @@
   <p:clrMapOvr>
     <a:masterClrMapping/>
   </p:clrMapOvr>
-  <mc:AlternateContent xmlns:mc="http://schemas.openxmlformats.org/markup-compatibility/2006">
-    <mc:Choice xmlns:p14="http://schemas.microsoft.com/office/powerpoint/2010/main" Requires="p14">
+  <mc:AlternateContent xmlns:mc="http://schemas.openxmlformats.org/markup-compatibility/2006" xmlns:p14="http://schemas.microsoft.com/office/powerpoint/2010/main">
+    <mc:Choice Requires="p14">
       <p:transition spd="slow" p14:dur="2000"/>
     </mc:Choice>
-    <mc:Fallback>
+    <mc:Fallback xmlns="">
       <p:transition spd="slow"/>
     </mc:Fallback>
   </mc:AlternateContent>
@@ -20354,19 +23667,19 @@
             <a:pPr algn="ctr"/>
             <a:r>
               <a:rPr lang="zh-CN" altLang="en-US" dirty="0" smtClean="0">
-                <a:hlinkClick r:id="rId2" action="ppaction://hlinksldjump"/>
+                <a:hlinkClick r:id="rId3" action="ppaction://hlinksldjump"/>
               </a:rPr>
               <a:t>初始规则（长度</a:t>
             </a:r>
             <a:r>
               <a:rPr lang="en-US" altLang="zh-CN" dirty="0" smtClean="0">
-                <a:hlinkClick r:id="rId2" action="ppaction://hlinksldjump"/>
+                <a:hlinkClick r:id="rId3" action="ppaction://hlinksldjump"/>
               </a:rPr>
               <a:t>1</a:t>
             </a:r>
             <a:r>
               <a:rPr lang="zh-CN" altLang="en-US" dirty="0" smtClean="0">
-                <a:hlinkClick r:id="rId2" action="ppaction://hlinksldjump"/>
+                <a:hlinkClick r:id="rId3" action="ppaction://hlinksldjump"/>
               </a:rPr>
               <a:t>）</a:t>
             </a:r>
@@ -20427,7 +23740,7 @@
             <a:pPr algn="ctr"/>
             <a:r>
               <a:rPr lang="zh-CN" altLang="en-US" dirty="0" smtClean="0">
-                <a:hlinkClick r:id="rId3" action="ppaction://hlinksldjump"/>
+                <a:hlinkClick r:id="rId4" action="ppaction://hlinksldjump"/>
               </a:rPr>
               <a:t>分析规则是否满足条件</a:t>
             </a:r>
@@ -20706,19 +24019,19 @@
             <a:pPr algn="ctr"/>
             <a:r>
               <a:rPr lang="zh-CN" altLang="en-US" dirty="0" smtClean="0">
-                <a:hlinkClick r:id="rId4" action="ppaction://hlinksldjump"/>
+                <a:hlinkClick r:id="rId5" action="ppaction://hlinksldjump"/>
               </a:rPr>
               <a:t>在规则中加入</a:t>
             </a:r>
             <a:r>
               <a:rPr lang="en-US" altLang="zh-CN" dirty="0" smtClean="0">
-                <a:hlinkClick r:id="rId4" action="ppaction://hlinksldjump"/>
+                <a:hlinkClick r:id="rId5" action="ppaction://hlinksldjump"/>
               </a:rPr>
               <a:t>Atom</a:t>
             </a:r>
             <a:r>
               <a:rPr lang="zh-CN" altLang="en-US" dirty="0" smtClean="0">
-                <a:hlinkClick r:id="rId4" action="ppaction://hlinksldjump"/>
+                <a:hlinkClick r:id="rId5" action="ppaction://hlinksldjump"/>
               </a:rPr>
               <a:t>，产生新的规则</a:t>
             </a:r>
@@ -21036,11 +24349,11 @@
   <p:clrMapOvr>
     <a:masterClrMapping/>
   </p:clrMapOvr>
-  <mc:AlternateContent xmlns:mc="http://schemas.openxmlformats.org/markup-compatibility/2006">
-    <mc:Choice xmlns:p14="http://schemas.microsoft.com/office/powerpoint/2010/main" Requires="p14">
+  <mc:AlternateContent xmlns:mc="http://schemas.openxmlformats.org/markup-compatibility/2006" xmlns:p14="http://schemas.microsoft.com/office/powerpoint/2010/main">
+    <mc:Choice Requires="p14">
       <p:transition spd="slow" p14:dur="2000"/>
     </mc:Choice>
-    <mc:Fallback>
+    <mc:Fallback xmlns="">
       <p:transition spd="slow"/>
     </mc:Fallback>
   </mc:AlternateContent>
@@ -21715,11 +25028,7 @@
             </a:r>
             <a:r>
               <a:rPr lang="zh-CN" altLang="en-US" sz="2400" dirty="0" smtClean="0"/>
-              <a:t>的规</a:t>
-            </a:r>
-            <a:r>
-              <a:rPr lang="zh-CN" altLang="en-US" sz="2400" dirty="0" smtClean="0"/>
-              <a:t>则</a:t>
+              <a:t>的规则</a:t>
             </a:r>
             <a:endParaRPr lang="en-US" altLang="zh-CN" sz="2400" dirty="0"/>
           </a:p>
@@ -21753,11 +25062,7 @@
             </a:pPr>
             <a:r>
               <a:rPr lang="en-US" altLang="zh-CN" sz="2000" dirty="0" smtClean="0"/>
-              <a:t>Map&lt;String</a:t>
-            </a:r>
-            <a:r>
-              <a:rPr lang="en-US" altLang="zh-CN" sz="2000" dirty="0" smtClean="0"/>
-              <a:t>, </a:t>
+              <a:t>Map&lt;String, </a:t>
             </a:r>
             <a:r>
               <a:rPr lang="en-US" altLang="zh-CN" sz="2000" dirty="0" err="1" smtClean="0"/>
@@ -21916,11 +25221,11 @@
   <p:clrMapOvr>
     <a:masterClrMapping/>
   </p:clrMapOvr>
-  <mc:AlternateContent xmlns:mc="http://schemas.openxmlformats.org/markup-compatibility/2006">
-    <mc:Choice xmlns:p14="http://schemas.microsoft.com/office/powerpoint/2010/main" Requires="p14">
+  <mc:AlternateContent xmlns:mc="http://schemas.openxmlformats.org/markup-compatibility/2006" xmlns:p14="http://schemas.microsoft.com/office/powerpoint/2010/main">
+    <mc:Choice Requires="p14">
       <p:transition spd="slow" p14:dur="2000"/>
     </mc:Choice>
-    <mc:Fallback>
+    <mc:Fallback xmlns="">
       <p:transition spd="slow"/>
     </mc:Fallback>
   </mc:AlternateContent>
@@ -22237,11 +25542,15 @@
             </a:r>
             <a:r>
               <a:rPr lang="en-US" altLang="zh-CN" sz="2000" dirty="0" smtClean="0"/>
-              <a:t>[ {“?</a:t>
+              <a:t>[ </a:t>
+            </a:r>
+            <a:r>
+              <a:rPr lang="en-US" altLang="zh-CN" sz="2000" dirty="0" smtClean="0"/>
+              <a:t>{“?a”, </a:t>
             </a:r>
             <a:r>
               <a:rPr lang="en-US" altLang="zh-CN" sz="2000" dirty="0"/>
-              <a:t>a”, “&lt;lives&gt;”, </a:t>
+              <a:t>“&lt;lives&gt;”, </a:t>
             </a:r>
             <a:r>
               <a:rPr lang="en-US" altLang="zh-CN" sz="2000" dirty="0" smtClean="0"/>
@@ -22256,8 +25565,21 @@
             </a:pPr>
             <a:r>
               <a:rPr lang="en-US" altLang="zh-CN" sz="2000" dirty="0" smtClean="0"/>
-              <a:t>	  {“?a”, “&lt;lives&gt;”, “?c”}]</a:t>
-            </a:r>
+              <a:t>	  </a:t>
+            </a:r>
+            <a:r>
+              <a:rPr lang="en-US" altLang="zh-CN" sz="2000" dirty="0" smtClean="0"/>
+              <a:t>{“?d”, </a:t>
+            </a:r>
+            <a:r>
+              <a:rPr lang="en-US" altLang="zh-CN" sz="2000" dirty="0" smtClean="0"/>
+              <a:t>“&lt;lives&gt;”, </a:t>
+            </a:r>
+            <a:r>
+              <a:rPr lang="en-US" altLang="zh-CN" sz="2000" dirty="0" smtClean="0"/>
+              <a:t>“?e”}]</a:t>
+            </a:r>
+            <a:endParaRPr lang="en-US" altLang="zh-CN" sz="2000" dirty="0" smtClean="0"/>
           </a:p>
           <a:p>
             <a:pPr>
@@ -22366,11 +25688,11 @@
   <p:clrMapOvr>
     <a:masterClrMapping/>
   </p:clrMapOvr>
-  <mc:AlternateContent xmlns:mc="http://schemas.openxmlformats.org/markup-compatibility/2006">
-    <mc:Choice xmlns:p14="http://schemas.microsoft.com/office/powerpoint/2010/main" Requires="p14">
+  <mc:AlternateContent xmlns:mc="http://schemas.openxmlformats.org/markup-compatibility/2006" xmlns:p14="http://schemas.microsoft.com/office/powerpoint/2010/main">
+    <mc:Choice Requires="p14">
       <p:transition p14:dur="0"/>
     </mc:Choice>
-    <mc:Fallback>
+    <mc:Fallback xmlns="">
       <p:transition/>
     </mc:Fallback>
   </mc:AlternateContent>
@@ -22553,7 +25875,7 @@
         <p:spPr>
           <a:xfrm>
             <a:off x="594411" y="1088258"/>
-            <a:ext cx="7776864" cy="5545749"/>
+            <a:ext cx="7776864" cy="5632311"/>
           </a:xfrm>
           <a:prstGeom prst="rect">
             <a:avLst/>
@@ -22716,7 +26038,15 @@
             </a:r>
             <a:r>
               <a:rPr lang="zh-CN" altLang="en-US" sz="2400" dirty="0" smtClean="0"/>
-              <a:t>用来计算</a:t>
+              <a:t>用来计</a:t>
+            </a:r>
+            <a:r>
+              <a:rPr lang="zh-CN" altLang="en-US" sz="2400" dirty="0" smtClean="0"/>
+              <a:t>算</a:t>
+            </a:r>
+            <a:r>
+              <a:rPr lang="zh-CN" altLang="en-US" sz="2400" dirty="0"/>
+              <a:t>支持度</a:t>
             </a:r>
             <a:r>
               <a:rPr lang="en-US" altLang="zh-CN" sz="2400" dirty="0" smtClean="0"/>
@@ -22754,7 +26084,7 @@
           <a:p>
             <a:r>
               <a:rPr lang="zh-CN" altLang="en-US" dirty="0" smtClean="0">
-                <a:hlinkClick r:id="rId2" action="ppaction://hlinksldjump"/>
+                <a:hlinkClick r:id="rId3" action="ppaction://hlinksldjump"/>
               </a:rPr>
               <a:t>返回</a:t>
             </a:r>
@@ -22772,13 +26102,13 @@
   <p:clrMapOvr>
     <a:masterClrMapping/>
   </p:clrMapOvr>
-  <mc:AlternateContent xmlns:mc="http://schemas.openxmlformats.org/markup-compatibility/2006">
-    <mc:Choice xmlns:p14="http://schemas.microsoft.com/office/powerpoint/2010/main" Requires="p14">
+  <mc:AlternateContent xmlns:mc="http://schemas.openxmlformats.org/markup-compatibility/2006" xmlns:p14="http://schemas.microsoft.com/office/powerpoint/2010/main">
+    <mc:Choice Requires="p14">
       <p:transition spd="med" p14:dur="700">
         <p:fade/>
       </p:transition>
     </mc:Choice>
-    <mc:Fallback>
+    <mc:Fallback xmlns="">
       <p:transition spd="med">
         <p:fade/>
       </p:transition>
